--- a/Introducción a la programación con Python.pptx
+++ b/Introducción a la programación con Python.pptx
@@ -5,27 +5,28 @@
     <p:sldMasterId id="2147483690" r:id="rId1"/>
   </p:sldMasterIdLst>
   <p:notesMasterIdLst>
-    <p:notesMasterId r:id="rId20"/>
+    <p:notesMasterId r:id="rId21"/>
   </p:notesMasterIdLst>
   <p:sldIdLst>
     <p:sldId id="256" r:id="rId2"/>
-    <p:sldId id="270" r:id="rId3"/>
-    <p:sldId id="272" r:id="rId4"/>
-    <p:sldId id="273" r:id="rId5"/>
-    <p:sldId id="274" r:id="rId6"/>
-    <p:sldId id="275" r:id="rId7"/>
-    <p:sldId id="276" r:id="rId8"/>
-    <p:sldId id="257" r:id="rId9"/>
-    <p:sldId id="277" r:id="rId10"/>
-    <p:sldId id="278" r:id="rId11"/>
-    <p:sldId id="279" r:id="rId12"/>
-    <p:sldId id="280" r:id="rId13"/>
-    <p:sldId id="281" r:id="rId14"/>
-    <p:sldId id="282" r:id="rId15"/>
-    <p:sldId id="283" r:id="rId16"/>
-    <p:sldId id="284" r:id="rId17"/>
-    <p:sldId id="285" r:id="rId18"/>
-    <p:sldId id="286" r:id="rId19"/>
+    <p:sldId id="287" r:id="rId3"/>
+    <p:sldId id="270" r:id="rId4"/>
+    <p:sldId id="272" r:id="rId5"/>
+    <p:sldId id="273" r:id="rId6"/>
+    <p:sldId id="274" r:id="rId7"/>
+    <p:sldId id="275" r:id="rId8"/>
+    <p:sldId id="276" r:id="rId9"/>
+    <p:sldId id="257" r:id="rId10"/>
+    <p:sldId id="277" r:id="rId11"/>
+    <p:sldId id="278" r:id="rId12"/>
+    <p:sldId id="279" r:id="rId13"/>
+    <p:sldId id="280" r:id="rId14"/>
+    <p:sldId id="281" r:id="rId15"/>
+    <p:sldId id="282" r:id="rId16"/>
+    <p:sldId id="283" r:id="rId17"/>
+    <p:sldId id="284" r:id="rId18"/>
+    <p:sldId id="285" r:id="rId19"/>
+    <p:sldId id="286" r:id="rId20"/>
   </p:sldIdLst>
   <p:sldSz cx="12192000" cy="6858000"/>
   <p:notesSz cx="6858000" cy="9144000"/>
@@ -214,7 +215,7 @@
           <a:p>
             <a:fld id="{6D9474DC-D412-42A1-9D35-9D1A962B96AC}" type="datetimeFigureOut">
               <a:rPr lang="es-ES" smtClean="0"/>
-              <a:t>14/10/2020</a:t>
+              <a:t>16/10/2020</a:t>
             </a:fld>
             <a:endParaRPr lang="es-ES"/>
           </a:p>
@@ -546,7 +547,7 @@
           <a:p>
             <a:fld id="{2626A500-1DA6-4541-BE61-DEBA7B330470}" type="slidenum">
               <a:rPr lang="es-ES" smtClean="0"/>
-              <a:t>2</a:t>
+              <a:t>3</a:t>
             </a:fld>
             <a:endParaRPr lang="es-ES"/>
           </a:p>
@@ -630,7 +631,7 @@
           <a:p>
             <a:fld id="{2626A500-1DA6-4541-BE61-DEBA7B330470}" type="slidenum">
               <a:rPr lang="es-ES" smtClean="0"/>
-              <a:t>3</a:t>
+              <a:t>4</a:t>
             </a:fld>
             <a:endParaRPr lang="es-ES"/>
           </a:p>
@@ -714,7 +715,7 @@
           <a:p>
             <a:fld id="{2626A500-1DA6-4541-BE61-DEBA7B330470}" type="slidenum">
               <a:rPr lang="es-ES" smtClean="0"/>
-              <a:t>4</a:t>
+              <a:t>5</a:t>
             </a:fld>
             <a:endParaRPr lang="es-ES"/>
           </a:p>
@@ -798,7 +799,7 @@
           <a:p>
             <a:fld id="{2626A500-1DA6-4541-BE61-DEBA7B330470}" type="slidenum">
               <a:rPr lang="es-ES" smtClean="0"/>
-              <a:t>5</a:t>
+              <a:t>6</a:t>
             </a:fld>
             <a:endParaRPr lang="es-ES"/>
           </a:p>
@@ -882,7 +883,7 @@
           <a:p>
             <a:fld id="{2626A500-1DA6-4541-BE61-DEBA7B330470}" type="slidenum">
               <a:rPr lang="es-ES" smtClean="0"/>
-              <a:t>6</a:t>
+              <a:t>7</a:t>
             </a:fld>
             <a:endParaRPr lang="es-ES"/>
           </a:p>
@@ -966,7 +967,7 @@
           <a:p>
             <a:fld id="{2626A500-1DA6-4541-BE61-DEBA7B330470}" type="slidenum">
               <a:rPr lang="es-ES" smtClean="0"/>
-              <a:t>7</a:t>
+              <a:t>8</a:t>
             </a:fld>
             <a:endParaRPr lang="es-ES"/>
           </a:p>
@@ -1934,7 +1935,7 @@
           <a:p>
             <a:fld id="{8CC4B9E4-B44E-44BA-8194-B92A1D8A8A46}" type="datetimeFigureOut">
               <a:rPr lang="es-ES" smtClean="0"/>
-              <a:t>14/10/2020</a:t>
+              <a:t>16/10/2020</a:t>
             </a:fld>
             <a:endParaRPr lang="es-ES"/>
           </a:p>
@@ -2801,7 +2802,7 @@
           <p:cNvPr id="4" name="Imagen 3">
             <a:extLst>
               <a:ext uri="{FF2B5EF4-FFF2-40B4-BE49-F238E27FC236}">
-                <a16:creationId xmlns:a16="http://schemas.microsoft.com/office/drawing/2014/main" id="{0C6A3FF0-98C1-4A06-9989-3CACBACAB563}"/>
+                <a16:creationId xmlns:a16="http://schemas.microsoft.com/office/drawing/2014/main" id="{FF502BDF-D999-4AF8-AC48-806B4A91EEDA}"/>
               </a:ext>
             </a:extLst>
           </p:cNvPr>
@@ -2824,8 +2825,8 @@
         </p:blipFill>
         <p:spPr>
           <a:xfrm>
-            <a:off x="2432807" y="1453440"/>
-            <a:ext cx="4593526" cy="4913748"/>
+            <a:off x="2028147" y="1425080"/>
+            <a:ext cx="7554265" cy="4371713"/>
           </a:xfrm>
           <a:prstGeom prst="rect">
             <a:avLst/>
@@ -2837,7 +2838,7 @@
           <p:cNvPr id="8" name="3 Título">
             <a:extLst>
               <a:ext uri="{FF2B5EF4-FFF2-40B4-BE49-F238E27FC236}">
-                <a16:creationId xmlns:a16="http://schemas.microsoft.com/office/drawing/2014/main" id="{43A5BC29-F7C2-49C1-AEE6-1DBB223E09C8}"/>
+                <a16:creationId xmlns:a16="http://schemas.microsoft.com/office/drawing/2014/main" id="{37F19DAF-26AD-47F4-84D1-DC80D39EA393}"/>
               </a:ext>
             </a:extLst>
           </p:cNvPr>
@@ -2899,7 +2900,7 @@
           <p:cNvPr id="9" name="CuadroTexto 8">
             <a:extLst>
               <a:ext uri="{FF2B5EF4-FFF2-40B4-BE49-F238E27FC236}">
-                <a16:creationId xmlns:a16="http://schemas.microsoft.com/office/drawing/2014/main" id="{59E50A72-3189-4F1B-BCAB-3B0A26F4AF6A}"/>
+                <a16:creationId xmlns:a16="http://schemas.microsoft.com/office/drawing/2014/main" id="{3D52F4FD-A821-475B-8D3A-9165DC43F75A}"/>
               </a:ext>
             </a:extLst>
           </p:cNvPr>
@@ -2908,8 +2909,8 @@
         </p:nvSpPr>
         <p:spPr>
           <a:xfrm>
-            <a:off x="8313490" y="2046913"/>
-            <a:ext cx="3171038" cy="830997"/>
+            <a:off x="10163852" y="2306973"/>
+            <a:ext cx="1575889" cy="1200329"/>
           </a:xfrm>
           <a:prstGeom prst="rect">
             <a:avLst/>
@@ -2923,8 +2924,8 @@
           <a:lstStyle/>
           <a:p>
             <a:r>
-              <a:rPr lang="es-ES" sz="2400" dirty="0"/>
-              <a:t>Se debe haber abierto la siguiente ventana</a:t>
+              <a:rPr lang="es-ES" sz="1800" dirty="0"/>
+              <a:t>Escribir el comando “idle” para abrir el IDE.</a:t>
             </a:r>
           </a:p>
         </p:txBody>
@@ -2932,7 +2933,7 @@
     </p:spTree>
     <p:extLst>
       <p:ext uri="{BB962C8B-B14F-4D97-AF65-F5344CB8AC3E}">
-        <p14:creationId xmlns:p14="http://schemas.microsoft.com/office/powerpoint/2010/main" val="3780658180"/>
+        <p14:creationId xmlns:p14="http://schemas.microsoft.com/office/powerpoint/2010/main" val="3012756340"/>
       </p:ext>
     </p:extLst>
   </p:cSld>
@@ -2959,41 +2960,110 @@
           <a:chExt cx="0" cy="0"/>
         </a:xfrm>
       </p:grpSpPr>
-      <p:sp>
-        <p:nvSpPr>
-          <p:cNvPr id="2" name="Título 1">
+      <p:pic>
+        <p:nvPicPr>
+          <p:cNvPr id="4" name="Imagen 3">
             <a:extLst>
               <a:ext uri="{FF2B5EF4-FFF2-40B4-BE49-F238E27FC236}">
-                <a16:creationId xmlns:a16="http://schemas.microsoft.com/office/drawing/2014/main" id="{BC9CAD7D-CEA2-44D7-AF41-D187405DA662}"/>
+                <a16:creationId xmlns:a16="http://schemas.microsoft.com/office/drawing/2014/main" id="{0C6A3FF0-98C1-4A06-9989-3CACBACAB563}"/>
               </a:ext>
             </a:extLst>
           </p:cNvPr>
-          <p:cNvSpPr>
-            <a:spLocks noGrp="1"/>
-          </p:cNvSpPr>
-          <p:nvPr>
-            <p:ph type="title"/>
-          </p:nvPr>
-        </p:nvSpPr>
-        <p:spPr/>
-        <p:txBody>
-          <a:bodyPr/>
-          <a:lstStyle/>
-          <a:p>
-            <a:pPr algn="ctr"/>
-            <a:r>
-              <a:rPr lang="es-ES" dirty="0"/>
-              <a:t>HELLO WORLD</a:t>
-            </a:r>
-          </a:p>
-        </p:txBody>
-      </p:sp>
-      <p:sp>
-        <p:nvSpPr>
-          <p:cNvPr id="3" name="CuadroTexto 2">
+          <p:cNvPicPr>
+            <a:picLocks noChangeAspect="1"/>
+          </p:cNvPicPr>
+          <p:nvPr/>
+        </p:nvPicPr>
+        <p:blipFill>
+          <a:blip r:embed="rId2">
+            <a:extLst>
+              <a:ext uri="{28A0092B-C50C-407E-A947-70E740481C1C}">
+                <a14:useLocalDpi xmlns:a14="http://schemas.microsoft.com/office/drawing/2010/main" val="0"/>
+              </a:ext>
+            </a:extLst>
+          </a:blip>
+          <a:stretch>
+            <a:fillRect/>
+          </a:stretch>
+        </p:blipFill>
+        <p:spPr>
+          <a:xfrm>
+            <a:off x="2432807" y="1453440"/>
+            <a:ext cx="4593526" cy="4913748"/>
+          </a:xfrm>
+          <a:prstGeom prst="rect">
+            <a:avLst/>
+          </a:prstGeom>
+        </p:spPr>
+      </p:pic>
+      <p:sp>
+        <p:nvSpPr>
+          <p:cNvPr id="8" name="3 Título">
             <a:extLst>
               <a:ext uri="{FF2B5EF4-FFF2-40B4-BE49-F238E27FC236}">
-                <a16:creationId xmlns:a16="http://schemas.microsoft.com/office/drawing/2014/main" id="{4F76B90A-9E3D-4192-8B65-3E5375285278}"/>
+                <a16:creationId xmlns:a16="http://schemas.microsoft.com/office/drawing/2014/main" id="{43A5BC29-F7C2-49C1-AEE6-1DBB223E09C8}"/>
+              </a:ext>
+            </a:extLst>
+          </p:cNvPr>
+          <p:cNvSpPr txBox="1">
+            <a:spLocks/>
+          </p:cNvSpPr>
+          <p:nvPr/>
+        </p:nvSpPr>
+        <p:spPr>
+          <a:xfrm>
+            <a:off x="2028147" y="371912"/>
+            <a:ext cx="9711595" cy="811077"/>
+          </a:xfrm>
+          <a:prstGeom prst="rect">
+            <a:avLst/>
+          </a:prstGeom>
+        </p:spPr>
+        <p:txBody>
+          <a:bodyPr vert="horz" lIns="91440" tIns="45720" rIns="91440" bIns="45720" rtlCol="0" anchor="b" anchorCtr="0">
+            <a:noAutofit/>
+          </a:bodyPr>
+          <a:lstStyle>
+            <a:lvl1pPr algn="l" defTabSz="914377" rtl="0" eaLnBrk="1" latinLnBrk="0" hangingPunct="1">
+              <a:lnSpc>
+                <a:spcPct val="90000"/>
+              </a:lnSpc>
+              <a:spcBef>
+                <a:spcPct val="0"/>
+              </a:spcBef>
+              <a:buNone/>
+              <a:defRPr sz="4800" b="0" kern="1200" cap="none" spc="0">
+                <a:ln w="0"/>
+                <a:solidFill>
+                  <a:schemeClr val="accent1"/>
+                </a:solidFill>
+                <a:effectLst>
+                  <a:outerShdw blurRad="38100" dist="19050" dir="2700000" algn="tl" rotWithShape="0">
+                    <a:schemeClr val="dk1">
+                      <a:alpha val="40000"/>
+                    </a:schemeClr>
+                  </a:outerShdw>
+                </a:effectLst>
+                <a:latin typeface="+mj-lt"/>
+                <a:ea typeface="+mj-ea"/>
+                <a:cs typeface="Arial" panose="020B0604020202020204" pitchFamily="34" charset="0"/>
+              </a:defRPr>
+            </a:lvl1pPr>
+          </a:lstStyle>
+          <a:p>
+            <a:r>
+              <a:rPr lang="es-ES" dirty="0"/>
+              <a:t>Instalación de Python</a:t>
+            </a:r>
+          </a:p>
+        </p:txBody>
+      </p:sp>
+      <p:sp>
+        <p:nvSpPr>
+          <p:cNvPr id="9" name="CuadroTexto 8">
+            <a:extLst>
+              <a:ext uri="{FF2B5EF4-FFF2-40B4-BE49-F238E27FC236}">
+                <a16:creationId xmlns:a16="http://schemas.microsoft.com/office/drawing/2014/main" id="{59E50A72-3189-4F1B-BCAB-3B0A26F4AF6A}"/>
               </a:ext>
             </a:extLst>
           </p:cNvPr>
@@ -3002,8 +3072,8 @@
         </p:nvSpPr>
         <p:spPr>
           <a:xfrm>
-            <a:off x="2985582" y="2613392"/>
-            <a:ext cx="7908621" cy="1631216"/>
+            <a:off x="8313490" y="2046913"/>
+            <a:ext cx="3171038" cy="830997"/>
           </a:xfrm>
           <a:prstGeom prst="rect">
             <a:avLst/>
@@ -3016,45 +3086,9 @@
           </a:bodyPr>
           <a:lstStyle/>
           <a:p>
-            <a:pPr algn="just"/>
-            <a:r>
-              <a:rPr lang="es-ES" sz="2000" dirty="0"/>
-              <a:t>Comandos que se deben utilizar: </a:t>
-            </a:r>
-            <a:r>
-              <a:rPr lang="es-ES" sz="2000" dirty="0" err="1"/>
-              <a:t>print</a:t>
-            </a:r>
-            <a:r>
-              <a:rPr lang="es-ES" sz="2000" dirty="0"/>
-              <a:t>()</a:t>
-            </a:r>
-          </a:p>
-          <a:p>
-            <a:pPr algn="just"/>
-            <a:endParaRPr lang="es-ES" sz="2000" dirty="0"/>
-          </a:p>
-          <a:p>
-            <a:pPr algn="just"/>
-            <a:r>
-              <a:rPr lang="es-ES" sz="2000" dirty="0"/>
-              <a:t>Explicación: la función </a:t>
-            </a:r>
-            <a:r>
-              <a:rPr lang="es-ES" sz="2000" dirty="0" err="1"/>
-              <a:t>print</a:t>
-            </a:r>
-            <a:r>
-              <a:rPr lang="es-ES" sz="2000" dirty="0"/>
-              <a:t>() muestra por pantalla tanto las variables como el texto que queráis. Para escribir cualquier texto pondremos: </a:t>
-            </a:r>
-            <a:r>
-              <a:rPr lang="es-ES" sz="2000" dirty="0" err="1"/>
-              <a:t>print</a:t>
-            </a:r>
-            <a:r>
-              <a:rPr lang="es-ES" sz="2000" dirty="0"/>
-              <a:t>(“Este es mi primer texto”). </a:t>
+            <a:r>
+              <a:rPr lang="es-ES" sz="2400" dirty="0"/>
+              <a:t>Se debe haber abierto la siguiente ventana</a:t>
             </a:r>
           </a:p>
         </p:txBody>
@@ -3062,7 +3096,7 @@
     </p:spTree>
     <p:extLst>
       <p:ext uri="{BB962C8B-B14F-4D97-AF65-F5344CB8AC3E}">
-        <p14:creationId xmlns:p14="http://schemas.microsoft.com/office/powerpoint/2010/main" val="571648028"/>
+        <p14:creationId xmlns:p14="http://schemas.microsoft.com/office/powerpoint/2010/main" val="3780658180"/>
       </p:ext>
     </p:extLst>
   </p:cSld>
@@ -3094,7 +3128,7 @@
           <p:cNvPr id="2" name="Título 1">
             <a:extLst>
               <a:ext uri="{FF2B5EF4-FFF2-40B4-BE49-F238E27FC236}">
-                <a16:creationId xmlns:a16="http://schemas.microsoft.com/office/drawing/2014/main" id="{5F595F23-9F0D-4E5E-BBE9-5CA0FC36D12B}"/>
+                <a16:creationId xmlns:a16="http://schemas.microsoft.com/office/drawing/2014/main" id="{BC9CAD7D-CEA2-44D7-AF41-D187405DA662}"/>
               </a:ext>
             </a:extLst>
           </p:cNvPr>
@@ -3113,7 +3147,7 @@
             <a:pPr algn="ctr"/>
             <a:r>
               <a:rPr lang="es-ES" dirty="0"/>
-              <a:t>Variables</a:t>
+              <a:t>HELLO WORLD</a:t>
             </a:r>
           </a:p>
         </p:txBody>
@@ -3123,7 +3157,7 @@
           <p:cNvPr id="3" name="CuadroTexto 2">
             <a:extLst>
               <a:ext uri="{FF2B5EF4-FFF2-40B4-BE49-F238E27FC236}">
-                <a16:creationId xmlns:a16="http://schemas.microsoft.com/office/drawing/2014/main" id="{B2D60A18-4B99-444C-92DA-D75664FD4D4D}"/>
+                <a16:creationId xmlns:a16="http://schemas.microsoft.com/office/drawing/2014/main" id="{4F76B90A-9E3D-4192-8B65-3E5375285278}"/>
               </a:ext>
             </a:extLst>
           </p:cNvPr>
@@ -3132,8 +3166,8 @@
         </p:nvSpPr>
         <p:spPr>
           <a:xfrm>
-            <a:off x="2514700" y="2073505"/>
-            <a:ext cx="8850386" cy="4401205"/>
+            <a:off x="2985582" y="2613392"/>
+            <a:ext cx="7908621" cy="1631216"/>
           </a:xfrm>
           <a:prstGeom prst="rect">
             <a:avLst/>
@@ -3149,7 +3183,15 @@
             <a:pPr algn="just"/>
             <a:r>
               <a:rPr lang="es-ES" sz="2000" dirty="0"/>
-              <a:t>Las variables son una serie de contenedores que permiten guardar valores que especifiquemos. Es decir, cada variable es una caja en la que solo se puede guardar una cosa. No obstante, si podemos trabajar con lo que guardamos en esas cajas y modificar lo que contienen.</a:t>
+              <a:t>Comandos que se deben utilizar: </a:t>
+            </a:r>
+            <a:r>
+              <a:rPr lang="es-ES" sz="2000" dirty="0" err="1"/>
+              <a:t>print</a:t>
+            </a:r>
+            <a:r>
+              <a:rPr lang="es-ES" sz="2000" dirty="0"/>
+              <a:t>()</a:t>
             </a:r>
           </a:p>
           <a:p>
@@ -3160,96 +3202,23 @@
             <a:pPr algn="just"/>
             <a:r>
               <a:rPr lang="es-ES" sz="2000" dirty="0"/>
-              <a:t>Python utiliza el tipado dinámico. Es decir, no hace falta especificar de qué tipo es nuestra variable pues lo reconoce por sí solo.</a:t>
-            </a:r>
-          </a:p>
-          <a:p>
-            <a:pPr algn="just"/>
-            <a:endParaRPr lang="es-ES" sz="2000" dirty="0"/>
-          </a:p>
-          <a:p>
-            <a:pPr algn="just"/>
+              <a:t>Explicación: la función </a:t>
+            </a:r>
+            <a:r>
+              <a:rPr lang="es-ES" sz="2000" dirty="0" err="1"/>
+              <a:t>print</a:t>
+            </a:r>
             <a:r>
               <a:rPr lang="es-ES" sz="2000" dirty="0"/>
-              <a:t>Tipos de variables: </a:t>
-            </a:r>
-          </a:p>
-          <a:p>
-            <a:pPr marL="285750" indent="-285750" algn="just">
-              <a:buFont typeface="Arial" panose="020B0604020202020204" pitchFamily="34" charset="0"/>
-              <a:buChar char="•"/>
-            </a:pPr>
+              <a:t>() muestra por pantalla tanto las variables como el texto que queráis. Para escribir cualquier texto pondremos: </a:t>
+            </a:r>
             <a:r>
               <a:rPr lang="es-ES" sz="2000" dirty="0" err="1"/>
-              <a:t>int</a:t>
+              <a:t>print</a:t>
             </a:r>
             <a:r>
               <a:rPr lang="es-ES" sz="2000" dirty="0"/>
-              <a:t> -&gt; entero -&gt; 3</a:t>
-            </a:r>
-          </a:p>
-          <a:p>
-            <a:pPr marL="285750" indent="-285750" algn="just">
-              <a:buFont typeface="Arial" panose="020B0604020202020204" pitchFamily="34" charset="0"/>
-              <a:buChar char="•"/>
-            </a:pPr>
-            <a:r>
-              <a:rPr lang="es-ES" sz="2000" dirty="0" err="1"/>
-              <a:t>char</a:t>
-            </a:r>
-            <a:r>
-              <a:rPr lang="es-ES" sz="2000" dirty="0"/>
-              <a:t> -&gt; carácter -&gt; ‘a’</a:t>
-            </a:r>
-          </a:p>
-          <a:p>
-            <a:pPr marL="285750" indent="-285750" algn="just">
-              <a:buFont typeface="Arial" panose="020B0604020202020204" pitchFamily="34" charset="0"/>
-              <a:buChar char="•"/>
-            </a:pPr>
-            <a:r>
-              <a:rPr lang="es-ES" sz="2000" dirty="0" err="1"/>
-              <a:t>float</a:t>
-            </a:r>
-            <a:r>
-              <a:rPr lang="es-ES" sz="2000" dirty="0"/>
-              <a:t> -&gt; número real (en coma flotante) -&gt; 3.142512</a:t>
-            </a:r>
-          </a:p>
-          <a:p>
-            <a:pPr marL="285750" indent="-285750" algn="just">
-              <a:buFont typeface="Arial" panose="020B0604020202020204" pitchFamily="34" charset="0"/>
-              <a:buChar char="•"/>
-            </a:pPr>
-            <a:r>
-              <a:rPr lang="es-ES" sz="2000" dirty="0" err="1"/>
-              <a:t>string</a:t>
-            </a:r>
-            <a:r>
-              <a:rPr lang="es-ES" sz="2000" dirty="0"/>
-              <a:t> -&gt; cadena de caracteres -&gt; “palabra”</a:t>
-            </a:r>
-          </a:p>
-          <a:p>
-            <a:pPr marL="285750" indent="-285750" algn="just">
-              <a:buFont typeface="Arial" panose="020B0604020202020204" pitchFamily="34" charset="0"/>
-              <a:buChar char="•"/>
-            </a:pPr>
-            <a:r>
-              <a:rPr lang="es-ES" sz="2000" dirty="0" err="1"/>
-              <a:t>boolean</a:t>
-            </a:r>
-            <a:r>
-              <a:rPr lang="es-ES" sz="2000" dirty="0"/>
-              <a:t> -&gt; true </a:t>
-            </a:r>
-            <a:r>
-              <a:rPr lang="es-ES" sz="2000" dirty="0" err="1"/>
-              <a:t>or</a:t>
-            </a:r>
-            <a:r>
-              <a:rPr lang="es-ES" sz="2000" dirty="0"/>
-              <a:t> false (verdadero o falso)</a:t>
+              <a:t>(“Este es mi primer texto”). </a:t>
             </a:r>
           </a:p>
         </p:txBody>
@@ -3257,7 +3226,7 @@
     </p:spTree>
     <p:extLst>
       <p:ext uri="{BB962C8B-B14F-4D97-AF65-F5344CB8AC3E}">
-        <p14:creationId xmlns:p14="http://schemas.microsoft.com/office/powerpoint/2010/main" val="4109263115"/>
+        <p14:creationId xmlns:p14="http://schemas.microsoft.com/office/powerpoint/2010/main" val="571648028"/>
       </p:ext>
     </p:extLst>
   </p:cSld>
@@ -3289,7 +3258,7 @@
           <p:cNvPr id="2" name="Título 1">
             <a:extLst>
               <a:ext uri="{FF2B5EF4-FFF2-40B4-BE49-F238E27FC236}">
-                <a16:creationId xmlns:a16="http://schemas.microsoft.com/office/drawing/2014/main" id="{E3370318-BDD6-42BB-9C4D-AA620ED322E4}"/>
+                <a16:creationId xmlns:a16="http://schemas.microsoft.com/office/drawing/2014/main" id="{5F595F23-9F0D-4E5E-BBE9-5CA0FC36D12B}"/>
               </a:ext>
             </a:extLst>
           </p:cNvPr>
@@ -3300,12 +3269,7 @@
             <p:ph type="title"/>
           </p:nvPr>
         </p:nvSpPr>
-        <p:spPr>
-          <a:xfrm>
-            <a:off x="2028147" y="145473"/>
-            <a:ext cx="9823493" cy="1038719"/>
-          </a:xfrm>
-        </p:spPr>
+        <p:spPr/>
         <p:txBody>
           <a:bodyPr/>
           <a:lstStyle/>
@@ -3313,17 +3277,17 @@
             <a:pPr algn="ctr"/>
             <a:r>
               <a:rPr lang="es-ES" dirty="0"/>
-              <a:t>Operadores</a:t>
-            </a:r>
-          </a:p>
-        </p:txBody>
-      </p:sp>
-      <p:sp>
-        <p:nvSpPr>
-          <p:cNvPr id="4" name="CuadroTexto 3">
+              <a:t>Variables</a:t>
+            </a:r>
+          </a:p>
+        </p:txBody>
+      </p:sp>
+      <p:sp>
+        <p:nvSpPr>
+          <p:cNvPr id="3" name="CuadroTexto 2">
             <a:extLst>
               <a:ext uri="{FF2B5EF4-FFF2-40B4-BE49-F238E27FC236}">
-                <a16:creationId xmlns:a16="http://schemas.microsoft.com/office/drawing/2014/main" id="{832BB046-83A8-4D82-8A04-3967AFC6E116}"/>
+                <a16:creationId xmlns:a16="http://schemas.microsoft.com/office/drawing/2014/main" id="{B2D60A18-4B99-444C-92DA-D75664FD4D4D}"/>
               </a:ext>
             </a:extLst>
           </p:cNvPr>
@@ -3332,8 +3296,8 @@
         </p:nvSpPr>
         <p:spPr>
           <a:xfrm>
-            <a:off x="3336821" y="1255700"/>
-            <a:ext cx="7206143" cy="4770537"/>
+            <a:off x="2514700" y="2073505"/>
+            <a:ext cx="8850386" cy="4401205"/>
           </a:xfrm>
           <a:prstGeom prst="rect">
             <a:avLst/>
@@ -3348,19 +3312,30 @@
           <a:p>
             <a:pPr algn="just"/>
             <a:r>
-              <a:rPr lang="es-ES" sz="1600" dirty="0"/>
-              <a:t>Los operadores son símbolos reservados por el lenguaje de programación que especifican operaciones matemáticas.</a:t>
+              <a:rPr lang="es-ES" sz="2000" dirty="0"/>
+              <a:t>Las variables son una serie de contenedores que permiten guardar valores que especifiquemos. Es decir, cada variable es una caja en la que solo se puede guardar una cosa. No obstante, si podemos trabajar con lo que guardamos en esas cajas y modificar lo que contienen.</a:t>
             </a:r>
           </a:p>
           <a:p>
             <a:pPr algn="just"/>
-            <a:endParaRPr lang="es-ES" sz="1600" dirty="0"/>
+            <a:endParaRPr lang="es-ES" sz="2000" dirty="0"/>
           </a:p>
           <a:p>
             <a:pPr algn="just"/>
             <a:r>
-              <a:rPr lang="es-ES" sz="1600" dirty="0"/>
-              <a:t>Operadores básicos:</a:t>
+              <a:rPr lang="es-ES" sz="2000" dirty="0"/>
+              <a:t>Python utiliza el tipado dinámico. Es decir, no hace falta especificar de qué tipo es nuestra variable pues lo reconoce por sí solo.</a:t>
+            </a:r>
+          </a:p>
+          <a:p>
+            <a:pPr algn="just"/>
+            <a:endParaRPr lang="es-ES" sz="2000" dirty="0"/>
+          </a:p>
+          <a:p>
+            <a:pPr algn="just"/>
+            <a:r>
+              <a:rPr lang="es-ES" sz="2000" dirty="0"/>
+              <a:t>Tipos de variables: </a:t>
             </a:r>
           </a:p>
           <a:p>
@@ -3369,8 +3344,12 @@
               <a:buChar char="•"/>
             </a:pPr>
             <a:r>
-              <a:rPr lang="es-ES" sz="1600" dirty="0"/>
-              <a:t>‘+’ -&gt; operador de suma</a:t>
+              <a:rPr lang="es-ES" sz="2000" dirty="0" err="1"/>
+              <a:t>int</a:t>
+            </a:r>
+            <a:r>
+              <a:rPr lang="es-ES" sz="2000" dirty="0"/>
+              <a:t> -&gt; entero -&gt; 3</a:t>
             </a:r>
           </a:p>
           <a:p>
@@ -3379,8 +3358,12 @@
               <a:buChar char="•"/>
             </a:pPr>
             <a:r>
-              <a:rPr lang="es-ES" sz="1600" dirty="0"/>
-              <a:t>‘-’ -&gt; operador de resta</a:t>
+              <a:rPr lang="es-ES" sz="2000" dirty="0" err="1"/>
+              <a:t>char</a:t>
+            </a:r>
+            <a:r>
+              <a:rPr lang="es-ES" sz="2000" dirty="0"/>
+              <a:t> -&gt; carácter -&gt; ‘a’</a:t>
             </a:r>
           </a:p>
           <a:p>
@@ -3389,8 +3372,12 @@
               <a:buChar char="•"/>
             </a:pPr>
             <a:r>
-              <a:rPr lang="es-ES" sz="1600" dirty="0"/>
-              <a:t>‘*’ -&gt; operador de multiplicación</a:t>
+              <a:rPr lang="es-ES" sz="2000" dirty="0" err="1"/>
+              <a:t>float</a:t>
+            </a:r>
+            <a:r>
+              <a:rPr lang="es-ES" sz="2000" dirty="0"/>
+              <a:t> -&gt; número real (en coma flotante) -&gt; 3.142512</a:t>
             </a:r>
           </a:p>
           <a:p>
@@ -3399,8 +3386,12 @@
               <a:buChar char="•"/>
             </a:pPr>
             <a:r>
-              <a:rPr lang="es-ES" sz="1600" dirty="0"/>
-              <a:t>‘/’ -&gt; operador de división</a:t>
+              <a:rPr lang="es-ES" sz="2000" dirty="0" err="1"/>
+              <a:t>string</a:t>
+            </a:r>
+            <a:r>
+              <a:rPr lang="es-ES" sz="2000" dirty="0"/>
+              <a:t> -&gt; cadena de caracteres -&gt; “palabra”</a:t>
             </a:r>
           </a:p>
           <a:p>
@@ -3409,162 +3400,20 @@
               <a:buChar char="•"/>
             </a:pPr>
             <a:r>
-              <a:rPr lang="es-ES" sz="1600" dirty="0"/>
-              <a:t>‘**’ -&gt; operador de exponenciación</a:t>
-            </a:r>
-          </a:p>
-          <a:p>
-            <a:pPr algn="just"/>
-            <a:r>
-              <a:rPr lang="es-ES" sz="1600" dirty="0"/>
-              <a:t>Operadores de comparación:</a:t>
-            </a:r>
-          </a:p>
-          <a:p>
-            <a:pPr marL="342900" indent="-342900" algn="just">
-              <a:buFont typeface="Arial" panose="020B0604020202020204" pitchFamily="34" charset="0"/>
-              <a:buChar char="•"/>
-            </a:pPr>
-            <a:r>
-              <a:rPr lang="es-ES" sz="1600" dirty="0"/>
-              <a:t>‘&lt;‘ -&gt; menor que</a:t>
-            </a:r>
-          </a:p>
-          <a:p>
-            <a:pPr marL="342900" indent="-342900" algn="just">
-              <a:buFont typeface="Arial" panose="020B0604020202020204" pitchFamily="34" charset="0"/>
-              <a:buChar char="•"/>
-            </a:pPr>
-            <a:r>
-              <a:rPr lang="es-ES" sz="1600" dirty="0"/>
-              <a:t>‘&gt;’ -&gt; mayor que</a:t>
-            </a:r>
-          </a:p>
-          <a:p>
-            <a:pPr marL="342900" indent="-342900" algn="just">
-              <a:buFont typeface="Arial" panose="020B0604020202020204" pitchFamily="34" charset="0"/>
-              <a:buChar char="•"/>
-            </a:pPr>
-            <a:r>
-              <a:rPr lang="es-ES" sz="1600" dirty="0"/>
-              <a:t>‘&gt;=‘ -&gt; menor o igual que</a:t>
-            </a:r>
-          </a:p>
-          <a:p>
-            <a:pPr marL="342900" indent="-342900" algn="just">
-              <a:buFont typeface="Arial" panose="020B0604020202020204" pitchFamily="34" charset="0"/>
-              <a:buChar char="•"/>
-            </a:pPr>
-            <a:r>
-              <a:rPr lang="es-ES" sz="1600" dirty="0"/>
-              <a:t>‘&lt;=‘ -&gt; mayor o igual que</a:t>
-            </a:r>
-          </a:p>
-          <a:p>
-            <a:pPr marL="342900" indent="-342900" algn="just">
-              <a:buFont typeface="Arial" panose="020B0604020202020204" pitchFamily="34" charset="0"/>
-              <a:buChar char="•"/>
-            </a:pPr>
-            <a:r>
-              <a:rPr lang="es-ES" sz="1600" dirty="0"/>
-              <a:t>‘==‘ -&gt; igual que</a:t>
-            </a:r>
-          </a:p>
-          <a:p>
-            <a:pPr marL="342900" indent="-342900" algn="just">
-              <a:buFont typeface="Arial" panose="020B0604020202020204" pitchFamily="34" charset="0"/>
-              <a:buChar char="•"/>
-            </a:pPr>
-            <a:r>
-              <a:rPr lang="es-ES" sz="1600" dirty="0"/>
-              <a:t>‘!=‘ -&gt; distinto que</a:t>
-            </a:r>
-          </a:p>
-          <a:p>
-            <a:pPr algn="just"/>
-            <a:r>
-              <a:rPr lang="es-ES" sz="1600" dirty="0"/>
-              <a:t>Operadores lógicos:</a:t>
-            </a:r>
-          </a:p>
-          <a:p>
-            <a:pPr marL="285750" indent="-285750" algn="just">
-              <a:buFont typeface="Arial" panose="020B0604020202020204" pitchFamily="34" charset="0"/>
-              <a:buChar char="•"/>
-            </a:pPr>
-            <a:r>
-              <a:rPr lang="es-ES" sz="1600" dirty="0"/>
-              <a:t>‘&amp;&amp;’ o ‘and’ -&gt; equivale a la conjunción ‘y’</a:t>
-            </a:r>
-          </a:p>
-          <a:p>
-            <a:pPr marL="285750" indent="-285750" algn="just">
-              <a:buFont typeface="Arial" panose="020B0604020202020204" pitchFamily="34" charset="0"/>
-              <a:buChar char="•"/>
-            </a:pPr>
-            <a:r>
-              <a:rPr lang="es-ES" sz="1600" dirty="0"/>
-              <a:t>‘||’ o ‘</a:t>
-            </a:r>
-            <a:r>
-              <a:rPr lang="es-ES" sz="1600" dirty="0" err="1"/>
+              <a:rPr lang="es-ES" sz="2000" dirty="0" err="1"/>
+              <a:t>boolean</a:t>
+            </a:r>
+            <a:r>
+              <a:rPr lang="es-ES" sz="2000" dirty="0"/>
+              <a:t> -&gt; true </a:t>
+            </a:r>
+            <a:r>
+              <a:rPr lang="es-ES" sz="2000" dirty="0" err="1"/>
               <a:t>or</a:t>
             </a:r>
             <a:r>
-              <a:rPr lang="es-ES" sz="1600" dirty="0"/>
-              <a:t>’ -&gt; equivale a la conjunción ‘o’</a:t>
-            </a:r>
-          </a:p>
-        </p:txBody>
-      </p:sp>
-      <p:sp>
-        <p:nvSpPr>
-          <p:cNvPr id="5" name="CuadroTexto 4">
-            <a:extLst>
-              <a:ext uri="{FF2B5EF4-FFF2-40B4-BE49-F238E27FC236}">
-                <a16:creationId xmlns:a16="http://schemas.microsoft.com/office/drawing/2014/main" id="{C264D7D7-D20D-4B70-8154-0F2201806529}"/>
-              </a:ext>
-            </a:extLst>
-          </p:cNvPr>
-          <p:cNvSpPr txBox="1"/>
-          <p:nvPr/>
-        </p:nvSpPr>
-        <p:spPr>
-          <a:xfrm>
-            <a:off x="2028147" y="6169253"/>
-            <a:ext cx="9269835" cy="584775"/>
-          </a:xfrm>
-          <a:prstGeom prst="rect">
-            <a:avLst/>
-          </a:prstGeom>
-          <a:noFill/>
-        </p:spPr>
-        <p:txBody>
-          <a:bodyPr wrap="square" rtlCol="0">
-            <a:spAutoFit/>
-          </a:bodyPr>
-          <a:lstStyle/>
-          <a:p>
-            <a:pPr algn="just"/>
-            <a:r>
-              <a:rPr lang="es-ES" sz="1600" dirty="0"/>
-              <a:t>En Python se pueden hacer cosas muy interesantes como sumar dos </a:t>
-            </a:r>
-            <a:r>
-              <a:rPr lang="es-ES" sz="1600" dirty="0" err="1"/>
-              <a:t>strings</a:t>
-            </a:r>
-            <a:r>
-              <a:rPr lang="es-ES" sz="1600" dirty="0"/>
-              <a:t> o multiplicar una </a:t>
-            </a:r>
-            <a:r>
-              <a:rPr lang="es-ES" sz="1600" dirty="0" err="1"/>
-              <a:t>string</a:t>
-            </a:r>
-            <a:r>
-              <a:rPr lang="es-ES" sz="1600" dirty="0"/>
-              <a:t> por un valor entero. ¡Pruébalo!</a:t>
+              <a:rPr lang="es-ES" sz="2000" dirty="0"/>
+              <a:t> false (verdadero o falso)</a:t>
             </a:r>
           </a:p>
         </p:txBody>
@@ -3572,7 +3421,7 @@
     </p:spTree>
     <p:extLst>
       <p:ext uri="{BB962C8B-B14F-4D97-AF65-F5344CB8AC3E}">
-        <p14:creationId xmlns:p14="http://schemas.microsoft.com/office/powerpoint/2010/main" val="3438733833"/>
+        <p14:creationId xmlns:p14="http://schemas.microsoft.com/office/powerpoint/2010/main" val="4109263115"/>
       </p:ext>
     </p:extLst>
   </p:cSld>
@@ -3604,7 +3453,7 @@
           <p:cNvPr id="2" name="Título 1">
             <a:extLst>
               <a:ext uri="{FF2B5EF4-FFF2-40B4-BE49-F238E27FC236}">
-                <a16:creationId xmlns:a16="http://schemas.microsoft.com/office/drawing/2014/main" id="{0107BB2E-8A3B-40EC-A043-4D2CE9216B79}"/>
+                <a16:creationId xmlns:a16="http://schemas.microsoft.com/office/drawing/2014/main" id="{E3370318-BDD6-42BB-9C4D-AA620ED322E4}"/>
               </a:ext>
             </a:extLst>
           </p:cNvPr>
@@ -3615,7 +3464,12 @@
             <p:ph type="title"/>
           </p:nvPr>
         </p:nvSpPr>
-        <p:spPr/>
+        <p:spPr>
+          <a:xfrm>
+            <a:off x="2028147" y="145473"/>
+            <a:ext cx="9823493" cy="1038719"/>
+          </a:xfrm>
+        </p:spPr>
         <p:txBody>
           <a:bodyPr/>
           <a:lstStyle/>
@@ -3623,7 +3477,7 @@
             <a:pPr algn="ctr"/>
             <a:r>
               <a:rPr lang="es-ES" dirty="0"/>
-              <a:t>Input</a:t>
+              <a:t>Operadores</a:t>
             </a:r>
           </a:p>
         </p:txBody>
@@ -3633,7 +3487,7 @@
           <p:cNvPr id="4" name="CuadroTexto 3">
             <a:extLst>
               <a:ext uri="{FF2B5EF4-FFF2-40B4-BE49-F238E27FC236}">
-                <a16:creationId xmlns:a16="http://schemas.microsoft.com/office/drawing/2014/main" id="{43453C69-D1B4-4678-B654-11149E7185A8}"/>
+                <a16:creationId xmlns:a16="http://schemas.microsoft.com/office/drawing/2014/main" id="{832BB046-83A8-4D82-8A04-3967AFC6E116}"/>
               </a:ext>
             </a:extLst>
           </p:cNvPr>
@@ -3642,8 +3496,8 @@
         </p:nvSpPr>
         <p:spPr>
           <a:xfrm>
-            <a:off x="2753786" y="2474752"/>
-            <a:ext cx="8372213" cy="3462486"/>
+            <a:off x="3336821" y="1255700"/>
+            <a:ext cx="7206143" cy="4770537"/>
           </a:xfrm>
           <a:prstGeom prst="rect">
             <a:avLst/>
@@ -3659,7 +3513,7 @@
             <a:pPr algn="just"/>
             <a:r>
               <a:rPr lang="es-ES" sz="1600" dirty="0"/>
-              <a:t>La función input permite al usuario que ejecute el programa introducir valores para que estos se utilicen en el mismo.</a:t>
+              <a:t>Los operadores son símbolos reservados por el lenguaje de programación que especifican operaciones matemáticas.</a:t>
             </a:r>
           </a:p>
           <a:p>
@@ -3670,61 +3524,219 @@
             <a:pPr algn="just"/>
             <a:r>
               <a:rPr lang="es-ES" sz="1600" dirty="0"/>
-              <a:t>Esta función admite pasarle una cadena de texto para que se la muestre al usuario antes de que él/ella introduzcan el valor pedido. En cualquier caso, esta función devolverá el valor introducido</a:t>
+              <a:t>Operadores básicos:</a:t>
+            </a:r>
+          </a:p>
+          <a:p>
+            <a:pPr marL="285750" indent="-285750" algn="just">
+              <a:buFont typeface="Arial" panose="020B0604020202020204" pitchFamily="34" charset="0"/>
+              <a:buChar char="•"/>
+            </a:pPr>
+            <a:r>
+              <a:rPr lang="es-ES" sz="1600" dirty="0"/>
+              <a:t>‘+’ -&gt; operador de suma</a:t>
+            </a:r>
+          </a:p>
+          <a:p>
+            <a:pPr marL="285750" indent="-285750" algn="just">
+              <a:buFont typeface="Arial" panose="020B0604020202020204" pitchFamily="34" charset="0"/>
+              <a:buChar char="•"/>
+            </a:pPr>
+            <a:r>
+              <a:rPr lang="es-ES" sz="1600" dirty="0"/>
+              <a:t>‘-’ -&gt; operador de resta</a:t>
+            </a:r>
+          </a:p>
+          <a:p>
+            <a:pPr marL="285750" indent="-285750" algn="just">
+              <a:buFont typeface="Arial" panose="020B0604020202020204" pitchFamily="34" charset="0"/>
+              <a:buChar char="•"/>
+            </a:pPr>
+            <a:r>
+              <a:rPr lang="es-ES" sz="1600" dirty="0"/>
+              <a:t>‘*’ -&gt; operador de multiplicación</a:t>
+            </a:r>
+          </a:p>
+          <a:p>
+            <a:pPr marL="285750" indent="-285750" algn="just">
+              <a:buFont typeface="Arial" panose="020B0604020202020204" pitchFamily="34" charset="0"/>
+              <a:buChar char="•"/>
+            </a:pPr>
+            <a:r>
+              <a:rPr lang="es-ES" sz="1600" dirty="0"/>
+              <a:t>‘/’ -&gt; operador de división</a:t>
+            </a:r>
+          </a:p>
+          <a:p>
+            <a:pPr marL="285750" indent="-285750" algn="just">
+              <a:buFont typeface="Arial" panose="020B0604020202020204" pitchFamily="34" charset="0"/>
+              <a:buChar char="•"/>
+            </a:pPr>
+            <a:r>
+              <a:rPr lang="es-ES" sz="1600" dirty="0"/>
+              <a:t>‘**’ -&gt; operador de exponenciación</a:t>
             </a:r>
           </a:p>
           <a:p>
             <a:pPr algn="just"/>
-            <a:endParaRPr lang="es-ES" sz="1600" dirty="0"/>
+            <a:r>
+              <a:rPr lang="es-ES" sz="1600" dirty="0"/>
+              <a:t>Operadores de comparación:</a:t>
+            </a:r>
+          </a:p>
+          <a:p>
+            <a:pPr marL="342900" indent="-342900" algn="just">
+              <a:buFont typeface="Arial" panose="020B0604020202020204" pitchFamily="34" charset="0"/>
+              <a:buChar char="•"/>
+            </a:pPr>
+            <a:r>
+              <a:rPr lang="es-ES" sz="1600" dirty="0"/>
+              <a:t>‘&lt;‘ -&gt; menor que</a:t>
+            </a:r>
+          </a:p>
+          <a:p>
+            <a:pPr marL="342900" indent="-342900" algn="just">
+              <a:buFont typeface="Arial" panose="020B0604020202020204" pitchFamily="34" charset="0"/>
+              <a:buChar char="•"/>
+            </a:pPr>
+            <a:r>
+              <a:rPr lang="es-ES" sz="1600" dirty="0"/>
+              <a:t>‘&gt;’ -&gt; mayor que</a:t>
+            </a:r>
+          </a:p>
+          <a:p>
+            <a:pPr marL="342900" indent="-342900" algn="just">
+              <a:buFont typeface="Arial" panose="020B0604020202020204" pitchFamily="34" charset="0"/>
+              <a:buChar char="•"/>
+            </a:pPr>
+            <a:r>
+              <a:rPr lang="es-ES" sz="1600" dirty="0"/>
+              <a:t>‘&gt;=‘ -&gt; menor o igual que</a:t>
+            </a:r>
+          </a:p>
+          <a:p>
+            <a:pPr marL="342900" indent="-342900" algn="just">
+              <a:buFont typeface="Arial" panose="020B0604020202020204" pitchFamily="34" charset="0"/>
+              <a:buChar char="•"/>
+            </a:pPr>
+            <a:r>
+              <a:rPr lang="es-ES" sz="1600" dirty="0"/>
+              <a:t>‘&lt;=‘ -&gt; mayor o igual que</a:t>
+            </a:r>
+          </a:p>
+          <a:p>
+            <a:pPr marL="342900" indent="-342900" algn="just">
+              <a:buFont typeface="Arial" panose="020B0604020202020204" pitchFamily="34" charset="0"/>
+              <a:buChar char="•"/>
+            </a:pPr>
+            <a:r>
+              <a:rPr lang="es-ES" sz="1600" dirty="0"/>
+              <a:t>‘==‘ -&gt; igual que</a:t>
+            </a:r>
+          </a:p>
+          <a:p>
+            <a:pPr marL="342900" indent="-342900" algn="just">
+              <a:buFont typeface="Arial" panose="020B0604020202020204" pitchFamily="34" charset="0"/>
+              <a:buChar char="•"/>
+            </a:pPr>
+            <a:r>
+              <a:rPr lang="es-ES" sz="1600" dirty="0"/>
+              <a:t>‘!=‘ -&gt; distinto que</a:t>
+            </a:r>
           </a:p>
           <a:p>
             <a:pPr algn="just"/>
             <a:r>
               <a:rPr lang="es-ES" sz="1600" dirty="0"/>
-              <a:t>Función: input()</a:t>
-            </a:r>
-          </a:p>
+              <a:t>Operadores lógicos:</a:t>
+            </a:r>
+          </a:p>
+          <a:p>
+            <a:pPr marL="285750" indent="-285750" algn="just">
+              <a:buFont typeface="Arial" panose="020B0604020202020204" pitchFamily="34" charset="0"/>
+              <a:buChar char="•"/>
+            </a:pPr>
+            <a:r>
+              <a:rPr lang="es-ES" sz="1600" dirty="0"/>
+              <a:t>‘&amp;&amp;’ o ‘and’ -&gt; equivale a la conjunción ‘y’</a:t>
+            </a:r>
+          </a:p>
+          <a:p>
+            <a:pPr marL="285750" indent="-285750" algn="just">
+              <a:buFont typeface="Arial" panose="020B0604020202020204" pitchFamily="34" charset="0"/>
+              <a:buChar char="•"/>
+            </a:pPr>
+            <a:r>
+              <a:rPr lang="es-ES" sz="1600" dirty="0"/>
+              <a:t>‘||’ o ‘</a:t>
+            </a:r>
+            <a:r>
+              <a:rPr lang="es-ES" sz="1600" dirty="0" err="1"/>
+              <a:t>or</a:t>
+            </a:r>
+            <a:r>
+              <a:rPr lang="es-ES" sz="1600" dirty="0"/>
+              <a:t>’ -&gt; equivale a la conjunción ‘o’</a:t>
+            </a:r>
+          </a:p>
+        </p:txBody>
+      </p:sp>
+      <p:sp>
+        <p:nvSpPr>
+          <p:cNvPr id="5" name="CuadroTexto 4">
+            <a:extLst>
+              <a:ext uri="{FF2B5EF4-FFF2-40B4-BE49-F238E27FC236}">
+                <a16:creationId xmlns:a16="http://schemas.microsoft.com/office/drawing/2014/main" id="{C264D7D7-D20D-4B70-8154-0F2201806529}"/>
+              </a:ext>
+            </a:extLst>
+          </p:cNvPr>
+          <p:cNvSpPr txBox="1"/>
+          <p:nvPr/>
+        </p:nvSpPr>
+        <p:spPr>
+          <a:xfrm>
+            <a:off x="2028147" y="6169253"/>
+            <a:ext cx="9269835" cy="584775"/>
+          </a:xfrm>
+          <a:prstGeom prst="rect">
+            <a:avLst/>
+          </a:prstGeom>
+          <a:noFill/>
+        </p:spPr>
+        <p:txBody>
+          <a:bodyPr wrap="square" rtlCol="0">
+            <a:spAutoFit/>
+          </a:bodyPr>
+          <a:lstStyle/>
           <a:p>
             <a:pPr algn="just"/>
-            <a:endParaRPr lang="es-ES" sz="1600" dirty="0"/>
-          </a:p>
-          <a:p>
-            <a:pPr algn="just"/>
             <a:r>
               <a:rPr lang="es-ES" sz="1600" dirty="0"/>
-              <a:t>Sintaxis: a= input(“Quiero un número entero: “)</a:t>
-            </a:r>
-          </a:p>
-          <a:p>
-            <a:pPr algn="just"/>
-            <a:endParaRPr lang="es-ES" sz="1600" dirty="0"/>
-          </a:p>
-          <a:p>
-            <a:pPr algn="just"/>
+              <a:t>En Python se pueden hacer cosas muy interesantes como sumar dos </a:t>
+            </a:r>
+            <a:r>
+              <a:rPr lang="es-ES" sz="1600" dirty="0" err="1"/>
+              <a:t>strings</a:t>
+            </a:r>
             <a:r>
               <a:rPr lang="es-ES" sz="1600" dirty="0"/>
-              <a:t>Ejemplo de funcionamiento: Quiero un número entero: 3.</a:t>
-            </a:r>
-          </a:p>
-          <a:p>
-            <a:pPr algn="just"/>
+              <a:t> o multiplicar una </a:t>
+            </a:r>
+            <a:r>
+              <a:rPr lang="es-ES" sz="1600" dirty="0" err="1"/>
+              <a:t>string</a:t>
+            </a:r>
             <a:r>
               <a:rPr lang="es-ES" sz="1600" dirty="0"/>
-              <a:t>A partir de ahora nuestra variable a será igual a 3.</a:t>
-            </a:r>
-          </a:p>
-          <a:p>
-            <a:endParaRPr lang="es-ES" dirty="0"/>
-          </a:p>
-          <a:p>
-            <a:endParaRPr lang="es-ES" dirty="0"/>
+              <a:t> por un valor entero. ¡Pruébalo!</a:t>
+            </a:r>
           </a:p>
         </p:txBody>
       </p:sp>
     </p:spTree>
     <p:extLst>
       <p:ext uri="{BB962C8B-B14F-4D97-AF65-F5344CB8AC3E}">
-        <p14:creationId xmlns:p14="http://schemas.microsoft.com/office/powerpoint/2010/main" val="2174260695"/>
+        <p14:creationId xmlns:p14="http://schemas.microsoft.com/office/powerpoint/2010/main" val="3438733833"/>
       </p:ext>
     </p:extLst>
   </p:cSld>
@@ -3756,7 +3768,7 @@
           <p:cNvPr id="2" name="Título 1">
             <a:extLst>
               <a:ext uri="{FF2B5EF4-FFF2-40B4-BE49-F238E27FC236}">
-                <a16:creationId xmlns:a16="http://schemas.microsoft.com/office/drawing/2014/main" id="{A51909A0-BF36-40FB-841A-B0FA225C5135}"/>
+                <a16:creationId xmlns:a16="http://schemas.microsoft.com/office/drawing/2014/main" id="{0107BB2E-8A3B-40EC-A043-4D2CE9216B79}"/>
               </a:ext>
             </a:extLst>
           </p:cNvPr>
@@ -3775,17 +3787,17 @@
             <a:pPr algn="ctr"/>
             <a:r>
               <a:rPr lang="es-ES" dirty="0"/>
-              <a:t>Listas</a:t>
-            </a:r>
-          </a:p>
-        </p:txBody>
-      </p:sp>
-      <p:sp>
-        <p:nvSpPr>
-          <p:cNvPr id="3" name="CuadroTexto 2">
+              <a:t>Input</a:t>
+            </a:r>
+          </a:p>
+        </p:txBody>
+      </p:sp>
+      <p:sp>
+        <p:nvSpPr>
+          <p:cNvPr id="4" name="CuadroTexto 3">
             <a:extLst>
               <a:ext uri="{FF2B5EF4-FFF2-40B4-BE49-F238E27FC236}">
-                <a16:creationId xmlns:a16="http://schemas.microsoft.com/office/drawing/2014/main" id="{9EEC062E-D5A7-4022-B5A9-2C79C66C0A2C}"/>
+                <a16:creationId xmlns:a16="http://schemas.microsoft.com/office/drawing/2014/main" id="{43453C69-D1B4-4678-B654-11149E7185A8}"/>
               </a:ext>
             </a:extLst>
           </p:cNvPr>
@@ -3794,8 +3806,8 @@
         </p:nvSpPr>
         <p:spPr>
           <a:xfrm>
-            <a:off x="2489533" y="1859501"/>
-            <a:ext cx="8900720" cy="4147289"/>
+            <a:off x="2753786" y="2474752"/>
+            <a:ext cx="8372213" cy="3462486"/>
           </a:xfrm>
           <a:prstGeom prst="rect">
             <a:avLst/>
@@ -3810,71 +3822,73 @@
           <a:p>
             <a:pPr algn="just"/>
             <a:r>
-              <a:rPr lang="es-ES" sz="1800" dirty="0"/>
-              <a:t>Las listas son unos contenedores en las que puedes guardar varias cosas. A diferencias de las variables, las listas se utilizan para guardar 1 o más cosas y cada cosa que guardes en la lista tiene un índice que especifica su posición.</a:t>
+              <a:rPr lang="es-ES" sz="1600" dirty="0"/>
+              <a:t>La función input permite al usuario que ejecute el programa introducir valores para que estos se utilicen en el mismo.</a:t>
             </a:r>
           </a:p>
           <a:p>
             <a:pPr algn="just"/>
-            <a:endParaRPr lang="es-ES" sz="1800" dirty="0"/>
+            <a:endParaRPr lang="es-ES" sz="1600" dirty="0"/>
           </a:p>
           <a:p>
             <a:pPr algn="just"/>
             <a:r>
-              <a:rPr lang="es-ES" sz="1800" dirty="0"/>
-              <a:t>En los lenguajes de programación la posición inicial donde se encuentra el primer objeto es el 0.</a:t>
+              <a:rPr lang="es-ES" sz="1600" dirty="0"/>
+              <a:t>Esta función admite pasarle una cadena de texto para que se la muestre al usuario antes de que él/ella introduzcan el valor pedido. En cualquier caso, esta función devolverá el valor introducido</a:t>
             </a:r>
           </a:p>
           <a:p>
             <a:pPr algn="just"/>
-            <a:endParaRPr lang="es-ES" sz="1800" dirty="0"/>
+            <a:endParaRPr lang="es-ES" sz="1600" dirty="0"/>
           </a:p>
           <a:p>
             <a:pPr algn="just"/>
             <a:r>
-              <a:rPr lang="es-ES" sz="1800" dirty="0"/>
-              <a:t>De esta manera los índices irán desde el 0 hasta el número máximo de objetos de la lista menos 1.</a:t>
+              <a:rPr lang="es-ES" sz="1600" dirty="0"/>
+              <a:t>Función: input()</a:t>
             </a:r>
           </a:p>
           <a:p>
             <a:pPr algn="just"/>
-            <a:endParaRPr lang="es-ES" sz="1800" dirty="0"/>
+            <a:endParaRPr lang="es-ES" sz="1600" dirty="0"/>
           </a:p>
           <a:p>
             <a:pPr algn="just"/>
             <a:r>
-              <a:rPr lang="es-ES" sz="1800" dirty="0"/>
-              <a:t>Tamaño de la lista = n 						n es cualquier número entero</a:t>
+              <a:rPr lang="es-ES" sz="1600" dirty="0"/>
+              <a:t>Sintaxis: a= input(“Quiero un número entero: “)</a:t>
             </a:r>
           </a:p>
           <a:p>
             <a:pPr algn="just"/>
-            <a:endParaRPr lang="es-ES" sz="1800" dirty="0"/>
+            <a:endParaRPr lang="es-ES" sz="1600" dirty="0"/>
           </a:p>
           <a:p>
             <a:pPr algn="just"/>
             <a:r>
-              <a:rPr lang="es-ES" sz="1800" dirty="0"/>
-              <a:t>Índices = 0,1,2,3,…..,n-1</a:t>
+              <a:rPr lang="es-ES" sz="1600" dirty="0"/>
+              <a:t>Ejemplo de funcionamiento: Quiero un número entero: 3.</a:t>
             </a:r>
           </a:p>
           <a:p>
             <a:pPr algn="just"/>
+            <a:r>
+              <a:rPr lang="es-ES" sz="1600" dirty="0"/>
+              <a:t>A partir de ahora nuestra variable a será igual a 3.</a:t>
+            </a:r>
+          </a:p>
+          <a:p>
             <a:endParaRPr lang="es-ES" dirty="0"/>
           </a:p>
           <a:p>
-            <a:pPr algn="just"/>
-            <a:r>
-              <a:rPr lang="es-ES" sz="1600" dirty="0"/>
-              <a:t>Sintaxis: lista = [0,1,2,”hola”,true,’a’]</a:t>
-            </a:r>
+            <a:endParaRPr lang="es-ES" dirty="0"/>
           </a:p>
         </p:txBody>
       </p:sp>
     </p:spTree>
     <p:extLst>
       <p:ext uri="{BB962C8B-B14F-4D97-AF65-F5344CB8AC3E}">
-        <p14:creationId xmlns:p14="http://schemas.microsoft.com/office/powerpoint/2010/main" val="2702653774"/>
+        <p14:creationId xmlns:p14="http://schemas.microsoft.com/office/powerpoint/2010/main" val="2174260695"/>
       </p:ext>
     </p:extLst>
   </p:cSld>
@@ -3906,7 +3920,7 @@
           <p:cNvPr id="2" name="Título 1">
             <a:extLst>
               <a:ext uri="{FF2B5EF4-FFF2-40B4-BE49-F238E27FC236}">
-                <a16:creationId xmlns:a16="http://schemas.microsoft.com/office/drawing/2014/main" id="{B8461CAA-2D12-4C02-9AA4-225E65EBB414}"/>
+                <a16:creationId xmlns:a16="http://schemas.microsoft.com/office/drawing/2014/main" id="{A51909A0-BF36-40FB-841A-B0FA225C5135}"/>
               </a:ext>
             </a:extLst>
           </p:cNvPr>
@@ -3925,7 +3939,7 @@
             <a:pPr algn="ctr"/>
             <a:r>
               <a:rPr lang="es-ES" dirty="0"/>
-              <a:t>Condicionales</a:t>
+              <a:t>Listas</a:t>
             </a:r>
           </a:p>
         </p:txBody>
@@ -3935,7 +3949,7 @@
           <p:cNvPr id="3" name="CuadroTexto 2">
             <a:extLst>
               <a:ext uri="{FF2B5EF4-FFF2-40B4-BE49-F238E27FC236}">
-                <a16:creationId xmlns:a16="http://schemas.microsoft.com/office/drawing/2014/main" id="{C68CFE5C-3BB3-4DA7-A283-17BCAF12B8A1}"/>
+                <a16:creationId xmlns:a16="http://schemas.microsoft.com/office/drawing/2014/main" id="{9EEC062E-D5A7-4022-B5A9-2C79C66C0A2C}"/>
               </a:ext>
             </a:extLst>
           </p:cNvPr>
@@ -3944,8 +3958,8 @@
         </p:nvSpPr>
         <p:spPr>
           <a:xfrm>
-            <a:off x="2483141" y="1979802"/>
-            <a:ext cx="8951053" cy="4239622"/>
+            <a:off x="2489533" y="1859501"/>
+            <a:ext cx="8900720" cy="4147289"/>
           </a:xfrm>
           <a:prstGeom prst="rect">
             <a:avLst/>
@@ -3960,188 +3974,71 @@
           <a:p>
             <a:pPr algn="just"/>
             <a:r>
+              <a:rPr lang="es-ES" sz="1800" dirty="0"/>
+              <a:t>Las listas son unos contenedores en las que puedes guardar varias cosas. A diferencias de las variables, las listas se utilizan para guardar 1 o más cosas y cada cosa que guardes en la lista tiene un índice que especifica su posición.</a:t>
+            </a:r>
+          </a:p>
+          <a:p>
+            <a:pPr algn="just"/>
+            <a:endParaRPr lang="es-ES" sz="1800" dirty="0"/>
+          </a:p>
+          <a:p>
+            <a:pPr algn="just"/>
+            <a:r>
+              <a:rPr lang="es-ES" sz="1800" dirty="0"/>
+              <a:t>En los lenguajes de programación la posición inicial donde se encuentra el primer objeto es el 0.</a:t>
+            </a:r>
+          </a:p>
+          <a:p>
+            <a:pPr algn="just"/>
+            <a:endParaRPr lang="es-ES" sz="1800" dirty="0"/>
+          </a:p>
+          <a:p>
+            <a:pPr algn="just"/>
+            <a:r>
+              <a:rPr lang="es-ES" sz="1800" dirty="0"/>
+              <a:t>De esta manera los índices irán desde el 0 hasta el número máximo de objetos de la lista menos 1.</a:t>
+            </a:r>
+          </a:p>
+          <a:p>
+            <a:pPr algn="just"/>
+            <a:endParaRPr lang="es-ES" sz="1800" dirty="0"/>
+          </a:p>
+          <a:p>
+            <a:pPr algn="just"/>
+            <a:r>
+              <a:rPr lang="es-ES" sz="1800" dirty="0"/>
+              <a:t>Tamaño de la lista = n 						n es cualquier número entero</a:t>
+            </a:r>
+          </a:p>
+          <a:p>
+            <a:pPr algn="just"/>
+            <a:endParaRPr lang="es-ES" sz="1800" dirty="0"/>
+          </a:p>
+          <a:p>
+            <a:pPr algn="just"/>
+            <a:r>
+              <a:rPr lang="es-ES" sz="1800" dirty="0"/>
+              <a:t>Índices = 0,1,2,3,…..,n-1</a:t>
+            </a:r>
+          </a:p>
+          <a:p>
+            <a:pPr algn="just"/>
+            <a:endParaRPr lang="es-ES" dirty="0"/>
+          </a:p>
+          <a:p>
+            <a:pPr algn="just"/>
+            <a:r>
               <a:rPr lang="es-ES" sz="1600" dirty="0"/>
-              <a:t>Los condicionales son una serie de sentencias que se ejecutan en función de una condición. </a:t>
-            </a:r>
-          </a:p>
-          <a:p>
-            <a:pPr algn="just"/>
-            <a:endParaRPr lang="es-ES" sz="1600" dirty="0"/>
-          </a:p>
-          <a:p>
-            <a:pPr algn="just"/>
-            <a:r>
-              <a:rPr lang="es-ES" sz="1600" dirty="0"/>
-              <a:t>Por ejemplo: si mi hermana tiene los ojos azules, yo tengo los ojos marrones; pero si mi hermana los tiene verdes, yo los tengo azules; si no los tiene ni azules ni verdes, entonces los tengo verdes.</a:t>
-            </a:r>
-          </a:p>
-          <a:p>
-            <a:pPr algn="just"/>
-            <a:endParaRPr lang="es-ES" sz="1600" dirty="0"/>
-          </a:p>
-          <a:p>
-            <a:pPr algn="just"/>
-            <a:r>
-              <a:rPr lang="es-ES" sz="1600" dirty="0"/>
-              <a:t>Sintaxis: </a:t>
-            </a:r>
-            <a:r>
-              <a:rPr lang="es-ES" sz="1600" dirty="0" err="1"/>
-              <a:t>if</a:t>
-            </a:r>
-            <a:r>
-              <a:rPr lang="es-ES" sz="1600" dirty="0"/>
-              <a:t>(condición), </a:t>
-            </a:r>
-            <a:r>
-              <a:rPr lang="es-ES" sz="1600" dirty="0" err="1"/>
-              <a:t>elif</a:t>
-            </a:r>
-            <a:r>
-              <a:rPr lang="es-ES" sz="1600" dirty="0"/>
-              <a:t>(segunda condición), </a:t>
-            </a:r>
-            <a:r>
-              <a:rPr lang="es-ES" sz="1600" dirty="0" err="1"/>
-              <a:t>else</a:t>
-            </a:r>
-            <a:r>
-              <a:rPr lang="es-ES" sz="1600" dirty="0"/>
-              <a:t>(en caso contrario)</a:t>
-            </a:r>
-          </a:p>
-          <a:p>
-            <a:pPr algn="just"/>
-            <a:endParaRPr lang="es-ES" sz="1600" dirty="0"/>
-          </a:p>
-          <a:p>
-            <a:pPr algn="just"/>
-            <a:r>
-              <a:rPr lang="es-ES" sz="1600" dirty="0"/>
-              <a:t>Demostración de uso:</a:t>
-            </a:r>
-          </a:p>
-          <a:p>
-            <a:pPr algn="just"/>
-            <a:r>
-              <a:rPr lang="es-ES" sz="1600" dirty="0"/>
-              <a:t>	a = 10</a:t>
-            </a:r>
-          </a:p>
-          <a:p>
-            <a:pPr algn="just"/>
-            <a:r>
-              <a:rPr lang="es-ES" sz="1600" dirty="0"/>
-              <a:t>	b = 20</a:t>
-            </a:r>
-          </a:p>
-          <a:p>
-            <a:pPr algn="just"/>
-            <a:r>
-              <a:rPr lang="es-ES" sz="1600" dirty="0"/>
-              <a:t>	</a:t>
-            </a:r>
-            <a:r>
-              <a:rPr lang="es-ES" sz="1600" dirty="0" err="1"/>
-              <a:t>if</a:t>
-            </a:r>
-            <a:r>
-              <a:rPr lang="es-ES" sz="1600" dirty="0"/>
-              <a:t>(a&lt;b):</a:t>
-            </a:r>
-          </a:p>
-          <a:p>
-            <a:pPr algn="just"/>
-            <a:r>
-              <a:rPr lang="es-ES" sz="1600" dirty="0"/>
-              <a:t>		</a:t>
-            </a:r>
-            <a:r>
-              <a:rPr lang="es-ES" sz="1600" dirty="0" err="1"/>
-              <a:t>print</a:t>
-            </a:r>
-            <a:r>
-              <a:rPr lang="es-ES" sz="1600" dirty="0"/>
-              <a:t>(b)</a:t>
-            </a:r>
-          </a:p>
-          <a:p>
-            <a:pPr algn="just"/>
-            <a:r>
-              <a:rPr lang="es-ES" sz="1600" dirty="0"/>
-              <a:t>	</a:t>
-            </a:r>
-            <a:r>
-              <a:rPr lang="es-ES" sz="1600" dirty="0" err="1"/>
-              <a:t>elif</a:t>
-            </a:r>
-            <a:r>
-              <a:rPr lang="es-ES" sz="1600" dirty="0"/>
-              <a:t>(a==b):</a:t>
-            </a:r>
-          </a:p>
-          <a:p>
-            <a:pPr algn="just"/>
-            <a:r>
-              <a:rPr lang="es-ES" sz="1600" dirty="0"/>
-              <a:t>		</a:t>
-            </a:r>
-            <a:r>
-              <a:rPr lang="es-ES" sz="1600" dirty="0" err="1"/>
-              <a:t>print</a:t>
-            </a:r>
-            <a:r>
-              <a:rPr lang="es-ES" sz="1600" dirty="0"/>
-              <a:t>(</a:t>
-            </a:r>
-            <a:r>
-              <a:rPr lang="es-ES" sz="1600" dirty="0" err="1"/>
-              <a:t>a+b</a:t>
-            </a:r>
-            <a:r>
-              <a:rPr lang="es-ES" sz="1600" dirty="0"/>
-              <a:t>)</a:t>
-            </a:r>
-          </a:p>
-          <a:p>
-            <a:pPr algn="just"/>
-            <a:r>
-              <a:rPr lang="es-ES" sz="1600" dirty="0"/>
-              <a:t>	</a:t>
-            </a:r>
-            <a:r>
-              <a:rPr lang="es-ES" sz="1600" dirty="0" err="1"/>
-              <a:t>else</a:t>
-            </a:r>
-            <a:r>
-              <a:rPr lang="es-ES" sz="1600" dirty="0"/>
-              <a:t>:</a:t>
-            </a:r>
-          </a:p>
-          <a:p>
-            <a:pPr algn="just"/>
-            <a:r>
-              <a:rPr lang="es-ES" sz="1600" dirty="0"/>
-              <a:t>		</a:t>
-            </a:r>
-            <a:r>
-              <a:rPr lang="es-ES" sz="1600" dirty="0" err="1"/>
-              <a:t>print</a:t>
-            </a:r>
-            <a:r>
-              <a:rPr lang="es-ES" sz="1600" dirty="0"/>
-              <a:t>(a)	</a:t>
-            </a:r>
-          </a:p>
-          <a:p>
-            <a:endParaRPr lang="es-ES" dirty="0"/>
+              <a:t>Sintaxis: lista = [0,1,2,”hola”,true,’a’]</a:t>
+            </a:r>
           </a:p>
         </p:txBody>
       </p:sp>
     </p:spTree>
     <p:extLst>
       <p:ext uri="{BB962C8B-B14F-4D97-AF65-F5344CB8AC3E}">
-        <p14:creationId xmlns:p14="http://schemas.microsoft.com/office/powerpoint/2010/main" val="2407040688"/>
+        <p14:creationId xmlns:p14="http://schemas.microsoft.com/office/powerpoint/2010/main" val="2702653774"/>
       </p:ext>
     </p:extLst>
   </p:cSld>
@@ -4173,6 +4070,273 @@
           <p:cNvPr id="2" name="Título 1">
             <a:extLst>
               <a:ext uri="{FF2B5EF4-FFF2-40B4-BE49-F238E27FC236}">
+                <a16:creationId xmlns:a16="http://schemas.microsoft.com/office/drawing/2014/main" id="{B8461CAA-2D12-4C02-9AA4-225E65EBB414}"/>
+              </a:ext>
+            </a:extLst>
+          </p:cNvPr>
+          <p:cNvSpPr>
+            <a:spLocks noGrp="1"/>
+          </p:cNvSpPr>
+          <p:nvPr>
+            <p:ph type="title"/>
+          </p:nvPr>
+        </p:nvSpPr>
+        <p:spPr/>
+        <p:txBody>
+          <a:bodyPr/>
+          <a:lstStyle/>
+          <a:p>
+            <a:pPr algn="ctr"/>
+            <a:r>
+              <a:rPr lang="es-ES" dirty="0"/>
+              <a:t>Condicionales</a:t>
+            </a:r>
+          </a:p>
+        </p:txBody>
+      </p:sp>
+      <p:sp>
+        <p:nvSpPr>
+          <p:cNvPr id="3" name="CuadroTexto 2">
+            <a:extLst>
+              <a:ext uri="{FF2B5EF4-FFF2-40B4-BE49-F238E27FC236}">
+                <a16:creationId xmlns:a16="http://schemas.microsoft.com/office/drawing/2014/main" id="{C68CFE5C-3BB3-4DA7-A283-17BCAF12B8A1}"/>
+              </a:ext>
+            </a:extLst>
+          </p:cNvPr>
+          <p:cNvSpPr txBox="1"/>
+          <p:nvPr/>
+        </p:nvSpPr>
+        <p:spPr>
+          <a:xfrm>
+            <a:off x="2483141" y="1979802"/>
+            <a:ext cx="8951053" cy="4239622"/>
+          </a:xfrm>
+          <a:prstGeom prst="rect">
+            <a:avLst/>
+          </a:prstGeom>
+          <a:noFill/>
+        </p:spPr>
+        <p:txBody>
+          <a:bodyPr wrap="square" rtlCol="0">
+            <a:spAutoFit/>
+          </a:bodyPr>
+          <a:lstStyle/>
+          <a:p>
+            <a:pPr algn="just"/>
+            <a:r>
+              <a:rPr lang="es-ES" sz="1600" dirty="0"/>
+              <a:t>Los condicionales son una serie de sentencias que se ejecutan en función de una condición. </a:t>
+            </a:r>
+          </a:p>
+          <a:p>
+            <a:pPr algn="just"/>
+            <a:endParaRPr lang="es-ES" sz="1600" dirty="0"/>
+          </a:p>
+          <a:p>
+            <a:pPr algn="just"/>
+            <a:r>
+              <a:rPr lang="es-ES" sz="1600" dirty="0"/>
+              <a:t>Por ejemplo: si mi hermana tiene los ojos azules, yo tengo los ojos marrones; pero si mi hermana los tiene verdes, yo los tengo azules; si no los tiene ni azules ni verdes, entonces los tengo verdes.</a:t>
+            </a:r>
+          </a:p>
+          <a:p>
+            <a:pPr algn="just"/>
+            <a:endParaRPr lang="es-ES" sz="1600" dirty="0"/>
+          </a:p>
+          <a:p>
+            <a:pPr algn="just"/>
+            <a:r>
+              <a:rPr lang="es-ES" sz="1600" dirty="0"/>
+              <a:t>Sintaxis: </a:t>
+            </a:r>
+            <a:r>
+              <a:rPr lang="es-ES" sz="1600" dirty="0" err="1"/>
+              <a:t>if</a:t>
+            </a:r>
+            <a:r>
+              <a:rPr lang="es-ES" sz="1600" dirty="0"/>
+              <a:t>(condición), </a:t>
+            </a:r>
+            <a:r>
+              <a:rPr lang="es-ES" sz="1600" dirty="0" err="1"/>
+              <a:t>elif</a:t>
+            </a:r>
+            <a:r>
+              <a:rPr lang="es-ES" sz="1600" dirty="0"/>
+              <a:t>(segunda condición), </a:t>
+            </a:r>
+            <a:r>
+              <a:rPr lang="es-ES" sz="1600" dirty="0" err="1"/>
+              <a:t>else</a:t>
+            </a:r>
+            <a:r>
+              <a:rPr lang="es-ES" sz="1600" dirty="0"/>
+              <a:t>(en caso contrario)</a:t>
+            </a:r>
+          </a:p>
+          <a:p>
+            <a:pPr algn="just"/>
+            <a:endParaRPr lang="es-ES" sz="1600" dirty="0"/>
+          </a:p>
+          <a:p>
+            <a:pPr algn="just"/>
+            <a:r>
+              <a:rPr lang="es-ES" sz="1600" dirty="0"/>
+              <a:t>Demostración de uso:</a:t>
+            </a:r>
+          </a:p>
+          <a:p>
+            <a:pPr algn="just"/>
+            <a:r>
+              <a:rPr lang="es-ES" sz="1600" dirty="0"/>
+              <a:t>	a = 10</a:t>
+            </a:r>
+          </a:p>
+          <a:p>
+            <a:pPr algn="just"/>
+            <a:r>
+              <a:rPr lang="es-ES" sz="1600" dirty="0"/>
+              <a:t>	b = 20</a:t>
+            </a:r>
+          </a:p>
+          <a:p>
+            <a:pPr algn="just"/>
+            <a:r>
+              <a:rPr lang="es-ES" sz="1600" dirty="0"/>
+              <a:t>	</a:t>
+            </a:r>
+            <a:r>
+              <a:rPr lang="es-ES" sz="1600" dirty="0" err="1"/>
+              <a:t>if</a:t>
+            </a:r>
+            <a:r>
+              <a:rPr lang="es-ES" sz="1600" dirty="0"/>
+              <a:t>(a&lt;b):</a:t>
+            </a:r>
+          </a:p>
+          <a:p>
+            <a:pPr algn="just"/>
+            <a:r>
+              <a:rPr lang="es-ES" sz="1600" dirty="0"/>
+              <a:t>		</a:t>
+            </a:r>
+            <a:r>
+              <a:rPr lang="es-ES" sz="1600" dirty="0" err="1"/>
+              <a:t>print</a:t>
+            </a:r>
+            <a:r>
+              <a:rPr lang="es-ES" sz="1600" dirty="0"/>
+              <a:t>(b)</a:t>
+            </a:r>
+          </a:p>
+          <a:p>
+            <a:pPr algn="just"/>
+            <a:r>
+              <a:rPr lang="es-ES" sz="1600" dirty="0"/>
+              <a:t>	</a:t>
+            </a:r>
+            <a:r>
+              <a:rPr lang="es-ES" sz="1600" dirty="0" err="1"/>
+              <a:t>elif</a:t>
+            </a:r>
+            <a:r>
+              <a:rPr lang="es-ES" sz="1600" dirty="0"/>
+              <a:t>(a==b):</a:t>
+            </a:r>
+          </a:p>
+          <a:p>
+            <a:pPr algn="just"/>
+            <a:r>
+              <a:rPr lang="es-ES" sz="1600" dirty="0"/>
+              <a:t>		</a:t>
+            </a:r>
+            <a:r>
+              <a:rPr lang="es-ES" sz="1600" dirty="0" err="1"/>
+              <a:t>print</a:t>
+            </a:r>
+            <a:r>
+              <a:rPr lang="es-ES" sz="1600" dirty="0"/>
+              <a:t>(</a:t>
+            </a:r>
+            <a:r>
+              <a:rPr lang="es-ES" sz="1600" dirty="0" err="1"/>
+              <a:t>a+b</a:t>
+            </a:r>
+            <a:r>
+              <a:rPr lang="es-ES" sz="1600" dirty="0"/>
+              <a:t>)</a:t>
+            </a:r>
+          </a:p>
+          <a:p>
+            <a:pPr algn="just"/>
+            <a:r>
+              <a:rPr lang="es-ES" sz="1600" dirty="0"/>
+              <a:t>	</a:t>
+            </a:r>
+            <a:r>
+              <a:rPr lang="es-ES" sz="1600" dirty="0" err="1"/>
+              <a:t>else</a:t>
+            </a:r>
+            <a:r>
+              <a:rPr lang="es-ES" sz="1600" dirty="0"/>
+              <a:t>:</a:t>
+            </a:r>
+          </a:p>
+          <a:p>
+            <a:pPr algn="just"/>
+            <a:r>
+              <a:rPr lang="es-ES" sz="1600" dirty="0"/>
+              <a:t>		</a:t>
+            </a:r>
+            <a:r>
+              <a:rPr lang="es-ES" sz="1600" dirty="0" err="1"/>
+              <a:t>print</a:t>
+            </a:r>
+            <a:r>
+              <a:rPr lang="es-ES" sz="1600" dirty="0"/>
+              <a:t>(a)	</a:t>
+            </a:r>
+          </a:p>
+          <a:p>
+            <a:endParaRPr lang="es-ES" dirty="0"/>
+          </a:p>
+        </p:txBody>
+      </p:sp>
+    </p:spTree>
+    <p:extLst>
+      <p:ext uri="{BB962C8B-B14F-4D97-AF65-F5344CB8AC3E}">
+        <p14:creationId xmlns:p14="http://schemas.microsoft.com/office/powerpoint/2010/main" val="2407040688"/>
+      </p:ext>
+    </p:extLst>
+  </p:cSld>
+  <p:clrMapOvr>
+    <a:masterClrMapping/>
+  </p:clrMapOvr>
+</p:sld>
+</file>
+
+<file path=ppt/slides/slide18.xml><?xml version="1.0" encoding="utf-8"?>
+<p:sld xmlns:a="http://schemas.openxmlformats.org/drawingml/2006/main" xmlns:r="http://schemas.openxmlformats.org/officeDocument/2006/relationships" xmlns:p="http://schemas.openxmlformats.org/presentationml/2006/main">
+  <p:cSld>
+    <p:spTree>
+      <p:nvGrpSpPr>
+        <p:cNvPr id="1" name=""/>
+        <p:cNvGrpSpPr/>
+        <p:nvPr/>
+      </p:nvGrpSpPr>
+      <p:grpSpPr>
+        <a:xfrm>
+          <a:off x="0" y="0"/>
+          <a:ext cx="0" cy="0"/>
+          <a:chOff x="0" y="0"/>
+          <a:chExt cx="0" cy="0"/>
+        </a:xfrm>
+      </p:grpSpPr>
+      <p:sp>
+        <p:nvSpPr>
+          <p:cNvPr id="2" name="Título 1">
+            <a:extLst>
+              <a:ext uri="{FF2B5EF4-FFF2-40B4-BE49-F238E27FC236}">
                 <a16:creationId xmlns:a16="http://schemas.microsoft.com/office/drawing/2014/main" id="{D8FAE485-488A-415E-8409-49B9FE03923D}"/>
               </a:ext>
             </a:extLst>
@@ -4468,7 +4632,7 @@
 </p:sld>
 </file>
 
-<file path=ppt/slides/slide18.xml><?xml version="1.0" encoding="utf-8"?>
+<file path=ppt/slides/slide19.xml><?xml version="1.0" encoding="utf-8"?>
 <p:sld xmlns:a="http://schemas.openxmlformats.org/drawingml/2006/main" xmlns:r="http://schemas.openxmlformats.org/officeDocument/2006/relationships" xmlns:p="http://schemas.openxmlformats.org/presentationml/2006/main">
   <p:cSld>
     <p:spTree>
@@ -4567,6 +4731,7 @@
                 <a:endParaRPr lang="es-ES" dirty="0"/>
               </a:p>
               <a:p>
+                <a:pPr/>
                 <a14:m>
                   <m:oMathPara xmlns:m="http://schemas.openxmlformats.org/officeDocument/2006/math">
                     <m:oMathParaPr>
@@ -4679,43 +4844,8 @@
                 </a14:m>
                 <a:r>
                   <a:rPr lang="es-ES" sz="1600" b="1" dirty="0"/>
-                  <a:t> tal que </a:t>
+                  <a:t>-{0,1} </a:t>
                 </a:r>
-                <a14:m>
-                  <m:oMath xmlns:m="http://schemas.openxmlformats.org/officeDocument/2006/math">
-                    <m:r>
-                      <a:rPr lang="es-ES" sz="1600" b="1" i="1" smtClean="0">
-                        <a:latin typeface="Cambria Math" panose="02040503050406030204" pitchFamily="18" charset="0"/>
-                      </a:rPr>
-                      <m:t>𝟎</m:t>
-                    </m:r>
-                    <m:r>
-                      <a:rPr lang="es-ES" sz="1600" b="1" i="1" smtClean="0">
-                        <a:latin typeface="Cambria Math" panose="02040503050406030204" pitchFamily="18" charset="0"/>
-                      </a:rPr>
-                      <m:t>!=</m:t>
-                    </m:r>
-                    <m:r>
-                      <a:rPr lang="es-ES" sz="1600" b="1" i="1" smtClean="0">
-                        <a:latin typeface="Cambria Math" panose="02040503050406030204" pitchFamily="18" charset="0"/>
-                      </a:rPr>
-                      <m:t>𝟏</m:t>
-                    </m:r>
-                    <m:r>
-                      <a:rPr lang="es-ES" sz="1600" b="1" i="1" smtClean="0">
-                        <a:latin typeface="Cambria Math" panose="02040503050406030204" pitchFamily="18" charset="0"/>
-                      </a:rPr>
-                      <m:t>!=</m:t>
-                    </m:r>
-                    <m:r>
-                      <a:rPr lang="es-ES" sz="1600" b="1" i="1" smtClean="0">
-                        <a:latin typeface="Cambria Math" panose="02040503050406030204" pitchFamily="18" charset="0"/>
-                      </a:rPr>
-                      <m:t>𝟏</m:t>
-                    </m:r>
-                  </m:oMath>
-                </a14:m>
-                <a:endParaRPr lang="es-ES" sz="1600" b="1" dirty="0"/>
               </a:p>
               <a:p>
                 <a:r>
@@ -4739,6 +4869,7 @@
                 </a:r>
               </a:p>
               <a:p>
+                <a:pPr/>
                 <a14:m>
                   <m:oMathPara xmlns:m="http://schemas.openxmlformats.org/officeDocument/2006/math">
                     <m:oMathParaPr>
@@ -4879,6 +5010,258 @@
       </p:grpSpPr>
       <p:sp>
         <p:nvSpPr>
+          <p:cNvPr id="2" name="Título 1">
+            <a:extLst>
+              <a:ext uri="{FF2B5EF4-FFF2-40B4-BE49-F238E27FC236}">
+                <a16:creationId xmlns:a16="http://schemas.microsoft.com/office/drawing/2014/main" id="{16DFB627-C89F-4CED-9982-00F30FFDB8EA}"/>
+              </a:ext>
+            </a:extLst>
+          </p:cNvPr>
+          <p:cNvSpPr>
+            <a:spLocks noGrp="1"/>
+          </p:cNvSpPr>
+          <p:nvPr>
+            <p:ph type="ctrTitle"/>
+          </p:nvPr>
+        </p:nvSpPr>
+        <p:spPr>
+          <a:xfrm>
+            <a:off x="1919680" y="135486"/>
+            <a:ext cx="8352639" cy="1051989"/>
+          </a:xfrm>
+        </p:spPr>
+        <p:txBody>
+          <a:bodyPr/>
+          <a:lstStyle/>
+          <a:p>
+            <a:r>
+              <a:rPr lang="es-ES" dirty="0"/>
+              <a:t>¿Quiénes somos?</a:t>
+            </a:r>
+          </a:p>
+        </p:txBody>
+      </p:sp>
+      <p:pic>
+        <p:nvPicPr>
+          <p:cNvPr id="5" name="Imagen 4">
+            <a:extLst>
+              <a:ext uri="{FF2B5EF4-FFF2-40B4-BE49-F238E27FC236}">
+                <a16:creationId xmlns:a16="http://schemas.microsoft.com/office/drawing/2014/main" id="{DFC6D553-A44B-4F40-BFAE-1C0AACE1E7A2}"/>
+              </a:ext>
+            </a:extLst>
+          </p:cNvPr>
+          <p:cNvPicPr>
+            <a:picLocks noChangeAspect="1"/>
+          </p:cNvPicPr>
+          <p:nvPr/>
+        </p:nvPicPr>
+        <p:blipFill>
+          <a:blip r:embed="rId2">
+            <a:extLst>
+              <a:ext uri="{28A0092B-C50C-407E-A947-70E740481C1C}">
+                <a14:useLocalDpi xmlns:a14="http://schemas.microsoft.com/office/drawing/2010/main" val="0"/>
+              </a:ext>
+            </a:extLst>
+          </a:blip>
+          <a:stretch>
+            <a:fillRect/>
+          </a:stretch>
+        </p:blipFill>
+        <p:spPr>
+          <a:xfrm>
+            <a:off x="3025630" y="2595124"/>
+            <a:ext cx="2759978" cy="3429000"/>
+          </a:xfrm>
+          <a:prstGeom prst="rect">
+            <a:avLst/>
+          </a:prstGeom>
+          <a:ln w="127000" cap="sq">
+            <a:solidFill>
+              <a:schemeClr val="bg1"/>
+            </a:solidFill>
+            <a:miter lim="800000"/>
+          </a:ln>
+          <a:effectLst>
+            <a:outerShdw blurRad="57150" dist="50800" dir="2700000" algn="tl" rotWithShape="0">
+              <a:srgbClr val="000000">
+                <a:alpha val="40000"/>
+              </a:srgbClr>
+            </a:outerShdw>
+          </a:effectLst>
+        </p:spPr>
+      </p:pic>
+      <p:sp>
+        <p:nvSpPr>
+          <p:cNvPr id="6" name="CuadroTexto 5">
+            <a:extLst>
+              <a:ext uri="{FF2B5EF4-FFF2-40B4-BE49-F238E27FC236}">
+                <a16:creationId xmlns:a16="http://schemas.microsoft.com/office/drawing/2014/main" id="{DE100EEF-52E9-4D5D-813F-C58FE3285B93}"/>
+              </a:ext>
+            </a:extLst>
+          </p:cNvPr>
+          <p:cNvSpPr txBox="1"/>
+          <p:nvPr/>
+        </p:nvSpPr>
+        <p:spPr>
+          <a:xfrm>
+            <a:off x="3025630" y="1521967"/>
+            <a:ext cx="2759978" cy="738664"/>
+          </a:xfrm>
+          <a:prstGeom prst="rect">
+            <a:avLst/>
+          </a:prstGeom>
+          <a:noFill/>
+        </p:spPr>
+        <p:txBody>
+          <a:bodyPr wrap="square" rtlCol="0">
+            <a:spAutoFit/>
+          </a:bodyPr>
+          <a:lstStyle/>
+          <a:p>
+            <a:pPr algn="ctr"/>
+            <a:r>
+              <a:rPr lang="es-ES" sz="1800" dirty="0"/>
+              <a:t>Marta Rodríguez García</a:t>
+            </a:r>
+          </a:p>
+          <a:p>
+            <a:pPr algn="ctr"/>
+            <a:r>
+              <a:rPr lang="es-ES" sz="1200" dirty="0"/>
+              <a:t>Estudiante de segundo año de ingeniería de software</a:t>
+            </a:r>
+          </a:p>
+        </p:txBody>
+      </p:sp>
+      <p:pic>
+        <p:nvPicPr>
+          <p:cNvPr id="8" name="Imagen 7">
+            <a:extLst>
+              <a:ext uri="{FF2B5EF4-FFF2-40B4-BE49-F238E27FC236}">
+                <a16:creationId xmlns:a16="http://schemas.microsoft.com/office/drawing/2014/main" id="{DCE2AFF2-9D59-4E54-8C8C-FD56E77B3B25}"/>
+              </a:ext>
+            </a:extLst>
+          </p:cNvPr>
+          <p:cNvPicPr>
+            <a:picLocks noChangeAspect="1"/>
+          </p:cNvPicPr>
+          <p:nvPr/>
+        </p:nvPicPr>
+        <p:blipFill>
+          <a:blip r:embed="rId3">
+            <a:extLst>
+              <a:ext uri="{28A0092B-C50C-407E-A947-70E740481C1C}">
+                <a14:useLocalDpi xmlns:a14="http://schemas.microsoft.com/office/drawing/2010/main" val="0"/>
+              </a:ext>
+            </a:extLst>
+          </a:blip>
+          <a:stretch>
+            <a:fillRect/>
+          </a:stretch>
+        </p:blipFill>
+        <p:spPr>
+          <a:xfrm>
+            <a:off x="8005498" y="2595124"/>
+            <a:ext cx="2933359" cy="3429000"/>
+          </a:xfrm>
+          <a:prstGeom prst="rect">
+            <a:avLst/>
+          </a:prstGeom>
+          <a:ln w="127000" cap="sq">
+            <a:solidFill>
+              <a:schemeClr val="bg1"/>
+            </a:solidFill>
+            <a:miter lim="800000"/>
+          </a:ln>
+          <a:effectLst>
+            <a:outerShdw blurRad="57150" dist="50800" dir="2700000" algn="tl" rotWithShape="0">
+              <a:srgbClr val="000000">
+                <a:alpha val="40000"/>
+              </a:srgbClr>
+            </a:outerShdw>
+          </a:effectLst>
+        </p:spPr>
+      </p:pic>
+      <p:sp>
+        <p:nvSpPr>
+          <p:cNvPr id="11" name="CuadroTexto 10">
+            <a:extLst>
+              <a:ext uri="{FF2B5EF4-FFF2-40B4-BE49-F238E27FC236}">
+                <a16:creationId xmlns:a16="http://schemas.microsoft.com/office/drawing/2014/main" id="{63766639-D6E8-466D-92EC-3461E4AD07B0}"/>
+              </a:ext>
+            </a:extLst>
+          </p:cNvPr>
+          <p:cNvSpPr txBox="1"/>
+          <p:nvPr/>
+        </p:nvSpPr>
+        <p:spPr>
+          <a:xfrm>
+            <a:off x="8161997" y="1429634"/>
+            <a:ext cx="2620359" cy="923330"/>
+          </a:xfrm>
+          <a:prstGeom prst="rect">
+            <a:avLst/>
+          </a:prstGeom>
+          <a:noFill/>
+        </p:spPr>
+        <p:txBody>
+          <a:bodyPr wrap="square" rtlCol="0">
+            <a:spAutoFit/>
+          </a:bodyPr>
+          <a:lstStyle/>
+          <a:p>
+            <a:pPr algn="ctr"/>
+            <a:r>
+              <a:rPr lang="es-ES" sz="1800" dirty="0"/>
+              <a:t>Alexis Gómez </a:t>
+            </a:r>
+            <a:r>
+              <a:rPr lang="es-ES" sz="1800" dirty="0" err="1"/>
+              <a:t>Chimeno</a:t>
+            </a:r>
+            <a:endParaRPr lang="es-ES" sz="1800" dirty="0"/>
+          </a:p>
+          <a:p>
+            <a:pPr algn="ctr"/>
+            <a:r>
+              <a:rPr lang="es-ES" sz="1200" dirty="0"/>
+              <a:t>Estudiante de segundo año de ingeniería de software y matemática computacional</a:t>
+            </a:r>
+          </a:p>
+        </p:txBody>
+      </p:sp>
+    </p:spTree>
+    <p:extLst>
+      <p:ext uri="{BB962C8B-B14F-4D97-AF65-F5344CB8AC3E}">
+        <p14:creationId xmlns:p14="http://schemas.microsoft.com/office/powerpoint/2010/main" val="1790970479"/>
+      </p:ext>
+    </p:extLst>
+  </p:cSld>
+  <p:clrMapOvr>
+    <a:masterClrMapping/>
+  </p:clrMapOvr>
+</p:sld>
+</file>
+
+<file path=ppt/slides/slide3.xml><?xml version="1.0" encoding="utf-8"?>
+<p:sld xmlns:a="http://schemas.openxmlformats.org/drawingml/2006/main" xmlns:r="http://schemas.openxmlformats.org/officeDocument/2006/relationships" xmlns:p="http://schemas.openxmlformats.org/presentationml/2006/main">
+  <p:cSld>
+    <p:spTree>
+      <p:nvGrpSpPr>
+        <p:cNvPr id="1" name=""/>
+        <p:cNvGrpSpPr/>
+        <p:nvPr/>
+      </p:nvGrpSpPr>
+      <p:grpSpPr>
+        <a:xfrm>
+          <a:off x="0" y="0"/>
+          <a:ext cx="0" cy="0"/>
+          <a:chOff x="0" y="0"/>
+          <a:chExt cx="0" cy="0"/>
+        </a:xfrm>
+      </p:grpSpPr>
+      <p:sp>
+        <p:nvSpPr>
           <p:cNvPr id="4" name="3 Título"/>
           <p:cNvSpPr>
             <a:spLocks noGrp="1"/>
@@ -5121,7 +5504,7 @@
 </p:sld>
 </file>
 
-<file path=ppt/slides/slide3.xml><?xml version="1.0" encoding="utf-8"?>
+<file path=ppt/slides/slide4.xml><?xml version="1.0" encoding="utf-8"?>
 <p:sld xmlns:a="http://schemas.openxmlformats.org/drawingml/2006/main" xmlns:r="http://schemas.openxmlformats.org/officeDocument/2006/relationships" xmlns:p="http://schemas.openxmlformats.org/presentationml/2006/main">
   <p:cSld>
     <p:spTree>
@@ -5265,7 +5648,7 @@
 </p:sld>
 </file>
 
-<file path=ppt/slides/slide4.xml><?xml version="1.0" encoding="utf-8"?>
+<file path=ppt/slides/slide5.xml><?xml version="1.0" encoding="utf-8"?>
 <p:sld xmlns:a="http://schemas.openxmlformats.org/drawingml/2006/main" xmlns:r="http://schemas.openxmlformats.org/officeDocument/2006/relationships" xmlns:p="http://schemas.openxmlformats.org/presentationml/2006/main">
   <p:cSld>
     <p:spTree>
@@ -5430,7 +5813,7 @@
 </p:sld>
 </file>
 
-<file path=ppt/slides/slide5.xml><?xml version="1.0" encoding="utf-8"?>
+<file path=ppt/slides/slide6.xml><?xml version="1.0" encoding="utf-8"?>
 <p:sld xmlns:a="http://schemas.openxmlformats.org/drawingml/2006/main" xmlns:r="http://schemas.openxmlformats.org/officeDocument/2006/relationships" xmlns:p="http://schemas.openxmlformats.org/presentationml/2006/main">
   <p:cSld>
     <p:spTree>
@@ -5552,7 +5935,7 @@
 </p:sld>
 </file>
 
-<file path=ppt/slides/slide6.xml><?xml version="1.0" encoding="utf-8"?>
+<file path=ppt/slides/slide7.xml><?xml version="1.0" encoding="utf-8"?>
 <p:sld xmlns:a="http://schemas.openxmlformats.org/drawingml/2006/main" xmlns:r="http://schemas.openxmlformats.org/officeDocument/2006/relationships" xmlns:p="http://schemas.openxmlformats.org/presentationml/2006/main">
   <p:cSld>
     <p:spTree>
@@ -5751,7 +6134,7 @@
 </p:sld>
 </file>
 
-<file path=ppt/slides/slide7.xml><?xml version="1.0" encoding="utf-8"?>
+<file path=ppt/slides/slide8.xml><?xml version="1.0" encoding="utf-8"?>
 <p:sld xmlns:a="http://schemas.openxmlformats.org/drawingml/2006/main" xmlns:r="http://schemas.openxmlformats.org/officeDocument/2006/relationships" xmlns:p="http://schemas.openxmlformats.org/presentationml/2006/main">
   <p:cSld>
     <p:spTree>
@@ -5977,7 +6360,7 @@
 </p:sld>
 </file>
 
-<file path=ppt/slides/slide8.xml><?xml version="1.0" encoding="utf-8"?>
+<file path=ppt/slides/slide9.xml><?xml version="1.0" encoding="utf-8"?>
 <p:sld xmlns:a="http://schemas.openxmlformats.org/drawingml/2006/main" xmlns:r="http://schemas.openxmlformats.org/officeDocument/2006/relationships" xmlns:p="http://schemas.openxmlformats.org/presentationml/2006/main">
   <p:cSld>
     <p:spTree>
@@ -6173,169 +6556,6 @@
     <p:extLst>
       <p:ext uri="{BB962C8B-B14F-4D97-AF65-F5344CB8AC3E}">
         <p14:creationId xmlns:p14="http://schemas.microsoft.com/office/powerpoint/2010/main" val="838695046"/>
-      </p:ext>
-    </p:extLst>
-  </p:cSld>
-  <p:clrMapOvr>
-    <a:masterClrMapping/>
-  </p:clrMapOvr>
-</p:sld>
-</file>
-
-<file path=ppt/slides/slide9.xml><?xml version="1.0" encoding="utf-8"?>
-<p:sld xmlns:a="http://schemas.openxmlformats.org/drawingml/2006/main" xmlns:r="http://schemas.openxmlformats.org/officeDocument/2006/relationships" xmlns:p="http://schemas.openxmlformats.org/presentationml/2006/main">
-  <p:cSld>
-    <p:spTree>
-      <p:nvGrpSpPr>
-        <p:cNvPr id="1" name=""/>
-        <p:cNvGrpSpPr/>
-        <p:nvPr/>
-      </p:nvGrpSpPr>
-      <p:grpSpPr>
-        <a:xfrm>
-          <a:off x="0" y="0"/>
-          <a:ext cx="0" cy="0"/>
-          <a:chOff x="0" y="0"/>
-          <a:chExt cx="0" cy="0"/>
-        </a:xfrm>
-      </p:grpSpPr>
-      <p:pic>
-        <p:nvPicPr>
-          <p:cNvPr id="4" name="Imagen 3">
-            <a:extLst>
-              <a:ext uri="{FF2B5EF4-FFF2-40B4-BE49-F238E27FC236}">
-                <a16:creationId xmlns:a16="http://schemas.microsoft.com/office/drawing/2014/main" id="{FF502BDF-D999-4AF8-AC48-806B4A91EEDA}"/>
-              </a:ext>
-            </a:extLst>
-          </p:cNvPr>
-          <p:cNvPicPr>
-            <a:picLocks noChangeAspect="1"/>
-          </p:cNvPicPr>
-          <p:nvPr/>
-        </p:nvPicPr>
-        <p:blipFill>
-          <a:blip r:embed="rId2">
-            <a:extLst>
-              <a:ext uri="{28A0092B-C50C-407E-A947-70E740481C1C}">
-                <a14:useLocalDpi xmlns:a14="http://schemas.microsoft.com/office/drawing/2010/main" val="0"/>
-              </a:ext>
-            </a:extLst>
-          </a:blip>
-          <a:stretch>
-            <a:fillRect/>
-          </a:stretch>
-        </p:blipFill>
-        <p:spPr>
-          <a:xfrm>
-            <a:off x="2028147" y="1425080"/>
-            <a:ext cx="7554265" cy="4371713"/>
-          </a:xfrm>
-          <a:prstGeom prst="rect">
-            <a:avLst/>
-          </a:prstGeom>
-        </p:spPr>
-      </p:pic>
-      <p:sp>
-        <p:nvSpPr>
-          <p:cNvPr id="8" name="3 Título">
-            <a:extLst>
-              <a:ext uri="{FF2B5EF4-FFF2-40B4-BE49-F238E27FC236}">
-                <a16:creationId xmlns:a16="http://schemas.microsoft.com/office/drawing/2014/main" id="{37F19DAF-26AD-47F4-84D1-DC80D39EA393}"/>
-              </a:ext>
-            </a:extLst>
-          </p:cNvPr>
-          <p:cNvSpPr txBox="1">
-            <a:spLocks/>
-          </p:cNvSpPr>
-          <p:nvPr/>
-        </p:nvSpPr>
-        <p:spPr>
-          <a:xfrm>
-            <a:off x="2028147" y="371912"/>
-            <a:ext cx="9711595" cy="811077"/>
-          </a:xfrm>
-          <a:prstGeom prst="rect">
-            <a:avLst/>
-          </a:prstGeom>
-        </p:spPr>
-        <p:txBody>
-          <a:bodyPr vert="horz" lIns="91440" tIns="45720" rIns="91440" bIns="45720" rtlCol="0" anchor="b" anchorCtr="0">
-            <a:noAutofit/>
-          </a:bodyPr>
-          <a:lstStyle>
-            <a:lvl1pPr algn="l" defTabSz="914377" rtl="0" eaLnBrk="1" latinLnBrk="0" hangingPunct="1">
-              <a:lnSpc>
-                <a:spcPct val="90000"/>
-              </a:lnSpc>
-              <a:spcBef>
-                <a:spcPct val="0"/>
-              </a:spcBef>
-              <a:buNone/>
-              <a:defRPr sz="4800" b="0" kern="1200" cap="none" spc="0">
-                <a:ln w="0"/>
-                <a:solidFill>
-                  <a:schemeClr val="accent1"/>
-                </a:solidFill>
-                <a:effectLst>
-                  <a:outerShdw blurRad="38100" dist="19050" dir="2700000" algn="tl" rotWithShape="0">
-                    <a:schemeClr val="dk1">
-                      <a:alpha val="40000"/>
-                    </a:schemeClr>
-                  </a:outerShdw>
-                </a:effectLst>
-                <a:latin typeface="+mj-lt"/>
-                <a:ea typeface="+mj-ea"/>
-                <a:cs typeface="Arial" panose="020B0604020202020204" pitchFamily="34" charset="0"/>
-              </a:defRPr>
-            </a:lvl1pPr>
-          </a:lstStyle>
-          <a:p>
-            <a:r>
-              <a:rPr lang="es-ES" dirty="0"/>
-              <a:t>Instalación de Python</a:t>
-            </a:r>
-          </a:p>
-        </p:txBody>
-      </p:sp>
-      <p:sp>
-        <p:nvSpPr>
-          <p:cNvPr id="9" name="CuadroTexto 8">
-            <a:extLst>
-              <a:ext uri="{FF2B5EF4-FFF2-40B4-BE49-F238E27FC236}">
-                <a16:creationId xmlns:a16="http://schemas.microsoft.com/office/drawing/2014/main" id="{3D52F4FD-A821-475B-8D3A-9165DC43F75A}"/>
-              </a:ext>
-            </a:extLst>
-          </p:cNvPr>
-          <p:cNvSpPr txBox="1"/>
-          <p:nvPr/>
-        </p:nvSpPr>
-        <p:spPr>
-          <a:xfrm>
-            <a:off x="10163852" y="2306973"/>
-            <a:ext cx="1575889" cy="1200329"/>
-          </a:xfrm>
-          <a:prstGeom prst="rect">
-            <a:avLst/>
-          </a:prstGeom>
-          <a:noFill/>
-        </p:spPr>
-        <p:txBody>
-          <a:bodyPr wrap="square" rtlCol="0">
-            <a:spAutoFit/>
-          </a:bodyPr>
-          <a:lstStyle/>
-          <a:p>
-            <a:r>
-              <a:rPr lang="es-ES" sz="1800" dirty="0"/>
-              <a:t>Escribir el comando “idle” para abrir el IDE.</a:t>
-            </a:r>
-          </a:p>
-        </p:txBody>
-      </p:sp>
-    </p:spTree>
-    <p:extLst>
-      <p:ext uri="{BB962C8B-B14F-4D97-AF65-F5344CB8AC3E}">
-        <p14:creationId xmlns:p14="http://schemas.microsoft.com/office/powerpoint/2010/main" val="3012756340"/>
       </p:ext>
     </p:extLst>
   </p:cSld>

--- a/Introducción a la programación con Python.pptx
+++ b/Introducción a la programación con Python.pptx
@@ -4683,8 +4683,8 @@
           </a:p>
         </p:txBody>
       </p:sp>
-      <mc:AlternateContent xmlns:mc="http://schemas.openxmlformats.org/markup-compatibility/2006">
-        <mc:Choice xmlns:a14="http://schemas.microsoft.com/office/drawing/2010/main" Requires="a14">
+      <mc:AlternateContent xmlns:mc="http://schemas.openxmlformats.org/markup-compatibility/2006" xmlns:a14="http://schemas.microsoft.com/office/drawing/2010/main">
+        <mc:Choice Requires="a14">
           <p:sp>
             <p:nvSpPr>
               <p:cNvPr id="3" name="CuadroTexto 2">
@@ -4933,7 +4933,7 @@
             </p:txBody>
           </p:sp>
         </mc:Choice>
-        <mc:Fallback>
+        <mc:Fallback xmlns="">
           <p:sp>
             <p:nvSpPr>
               <p:cNvPr id="3" name="CuadroTexto 2">
@@ -5026,8 +5026,8 @@
         </p:nvSpPr>
         <p:spPr>
           <a:xfrm>
-            <a:off x="1919680" y="135486"/>
-            <a:ext cx="8352639" cy="1051989"/>
+            <a:off x="3025630" y="135485"/>
+            <a:ext cx="7913227" cy="1051989"/>
           </a:xfrm>
         </p:spPr>
         <p:txBody>

--- a/Introducción a la programación con Python.pptx
+++ b/Introducción a la programación con Python.pptx
@@ -5104,7 +5104,7 @@
         </p:nvSpPr>
         <p:spPr>
           <a:xfrm>
-            <a:off x="3025630" y="1521967"/>
+            <a:off x="3025630" y="1525527"/>
             <a:ext cx="2759978" cy="738664"/>
           </a:xfrm>
           <a:prstGeom prst="rect">
@@ -5196,7 +5196,7 @@
         </p:nvSpPr>
         <p:spPr>
           <a:xfrm>
-            <a:off x="8161997" y="1429634"/>
+            <a:off x="8161997" y="1521967"/>
             <a:ext cx="2620359" cy="923330"/>
           </a:xfrm>
           <a:prstGeom prst="rect">
